--- a/src/ppt3.pptx
+++ b/src/ppt3.pptx
@@ -16,9 +16,8 @@
     <p:sldId id="281" r:id="rId10"/>
     <p:sldId id="285" r:id="rId11"/>
     <p:sldId id="286" r:id="rId12"/>
-    <p:sldId id="282" r:id="rId13"/>
-    <p:sldId id="283" r:id="rId14"/>
-    <p:sldId id="273" r:id="rId15"/>
+    <p:sldId id="283" r:id="rId13"/>
+    <p:sldId id="273" r:id="rId14"/>
   </p:sldIdLst>
   <p:sldSz cx="12192000" cy="6858000"/>
   <p:notesSz cx="6858000" cy="9144000"/>
@@ -119,7 +118,7 @@
   </p:defaultTextStyle>
   <p:extLst>
     <p:ext uri="{EFAFB233-063F-42B5-8137-9DF3F51BA10A}">
-      <p15:sldGuideLst xmlns="" xmlns:p15="http://schemas.microsoft.com/office/powerpoint/2012/main"/>
+      <p15:sldGuideLst xmlns:p15="http://schemas.microsoft.com/office/powerpoint/2012/main" xmlns=""/>
     </p:ext>
   </p:extLst>
 </p:presentation>
@@ -848,7 +847,7 @@
             <a:fld id="{48A87A34-81AB-432B-8DAE-1953F412C126}" type="datetimeFigureOut">
               <a:rPr lang="en-US" smtClean="0"/>
               <a:pPr/>
-              <a:t>8/14/2017</a:t>
+              <a:t>8/20/2017</a:t>
             </a:fld>
             <a:endParaRPr lang="en-US" dirty="0"/>
           </a:p>
@@ -900,7 +899,7 @@
     </p:spTree>
     <p:extLst>
       <p:ext uri="{BB962C8B-B14F-4D97-AF65-F5344CB8AC3E}">
-        <p14:creationId xmlns="" xmlns:p14="http://schemas.microsoft.com/office/powerpoint/2010/main" val="2379700270"/>
+        <p14:creationId xmlns:p14="http://schemas.microsoft.com/office/powerpoint/2010/main" xmlns="" val="2379700270"/>
       </p:ext>
     </p:extLst>
   </p:cSld>
@@ -1101,7 +1100,7 @@
             <a:fld id="{48A87A34-81AB-432B-8DAE-1953F412C126}" type="datetimeFigureOut">
               <a:rPr lang="en-US" smtClean="0"/>
               <a:pPr/>
-              <a:t>8/14/2017</a:t>
+              <a:t>8/20/2017</a:t>
             </a:fld>
             <a:endParaRPr lang="en-US" dirty="0"/>
           </a:p>
@@ -1153,7 +1152,7 @@
     </p:spTree>
     <p:extLst>
       <p:ext uri="{BB962C8B-B14F-4D97-AF65-F5344CB8AC3E}">
-        <p14:creationId xmlns="" xmlns:p14="http://schemas.microsoft.com/office/powerpoint/2010/main" val="1804991245"/>
+        <p14:creationId xmlns:p14="http://schemas.microsoft.com/office/powerpoint/2010/main" xmlns="" val="1804991245"/>
       </p:ext>
     </p:extLst>
   </p:cSld>
@@ -1417,7 +1416,7 @@
             <a:fld id="{48A87A34-81AB-432B-8DAE-1953F412C126}" type="datetimeFigureOut">
               <a:rPr lang="en-US" smtClean="0"/>
               <a:pPr/>
-              <a:t>8/14/2017</a:t>
+              <a:t>8/20/2017</a:t>
             </a:fld>
             <a:endParaRPr lang="en-US" dirty="0"/>
           </a:p>
@@ -1559,7 +1558,7 @@
     </p:spTree>
     <p:extLst>
       <p:ext uri="{BB962C8B-B14F-4D97-AF65-F5344CB8AC3E}">
-        <p14:creationId xmlns="" xmlns:p14="http://schemas.microsoft.com/office/powerpoint/2010/main" val="1473712570"/>
+        <p14:creationId xmlns:p14="http://schemas.microsoft.com/office/powerpoint/2010/main" xmlns="" val="1473712570"/>
       </p:ext>
     </p:extLst>
   </p:cSld>
@@ -1760,7 +1759,7 @@
             <a:fld id="{48A87A34-81AB-432B-8DAE-1953F412C126}" type="datetimeFigureOut">
               <a:rPr lang="en-US" smtClean="0"/>
               <a:pPr/>
-              <a:t>8/14/2017</a:t>
+              <a:t>8/20/2017</a:t>
             </a:fld>
             <a:endParaRPr lang="en-US" dirty="0"/>
           </a:p>
@@ -1812,7 +1811,7 @@
     </p:spTree>
     <p:extLst>
       <p:ext uri="{BB962C8B-B14F-4D97-AF65-F5344CB8AC3E}">
-        <p14:creationId xmlns="" xmlns:p14="http://schemas.microsoft.com/office/powerpoint/2010/main" val="2530574234"/>
+        <p14:creationId xmlns:p14="http://schemas.microsoft.com/office/powerpoint/2010/main" xmlns="" val="2530574234"/>
       </p:ext>
     </p:extLst>
   </p:cSld>
@@ -2076,7 +2075,7 @@
             <a:fld id="{48A87A34-81AB-432B-8DAE-1953F412C126}" type="datetimeFigureOut">
               <a:rPr lang="en-US" smtClean="0"/>
               <a:pPr/>
-              <a:t>8/14/2017</a:t>
+              <a:t>8/20/2017</a:t>
             </a:fld>
             <a:endParaRPr lang="en-US" dirty="0"/>
           </a:p>
@@ -2210,7 +2209,7 @@
     </p:spTree>
     <p:extLst>
       <p:ext uri="{BB962C8B-B14F-4D97-AF65-F5344CB8AC3E}">
-        <p14:creationId xmlns="" xmlns:p14="http://schemas.microsoft.com/office/powerpoint/2010/main" val="1004790222"/>
+        <p14:creationId xmlns:p14="http://schemas.microsoft.com/office/powerpoint/2010/main" xmlns="" val="1004790222"/>
       </p:ext>
     </p:extLst>
   </p:cSld>
@@ -2471,7 +2470,7 @@
             <a:fld id="{48A87A34-81AB-432B-8DAE-1953F412C126}" type="datetimeFigureOut">
               <a:rPr lang="en-US" smtClean="0"/>
               <a:pPr/>
-              <a:t>8/14/2017</a:t>
+              <a:t>8/20/2017</a:t>
             </a:fld>
             <a:endParaRPr lang="en-US" dirty="0"/>
           </a:p>
@@ -2523,7 +2522,7 @@
     </p:spTree>
     <p:extLst>
       <p:ext uri="{BB962C8B-B14F-4D97-AF65-F5344CB8AC3E}">
-        <p14:creationId xmlns="" xmlns:p14="http://schemas.microsoft.com/office/powerpoint/2010/main" val="3328784466"/>
+        <p14:creationId xmlns:p14="http://schemas.microsoft.com/office/powerpoint/2010/main" xmlns="" val="3328784466"/>
       </p:ext>
     </p:extLst>
   </p:cSld>
@@ -2643,7 +2642,7 @@
             <a:fld id="{48A87A34-81AB-432B-8DAE-1953F412C126}" type="datetimeFigureOut">
               <a:rPr lang="en-US" smtClean="0"/>
               <a:pPr/>
-              <a:t>8/14/2017</a:t>
+              <a:t>8/20/2017</a:t>
             </a:fld>
             <a:endParaRPr lang="en-US" dirty="0"/>
           </a:p>
@@ -2695,7 +2694,7 @@
     </p:spTree>
     <p:extLst>
       <p:ext uri="{BB962C8B-B14F-4D97-AF65-F5344CB8AC3E}">
-        <p14:creationId xmlns="" xmlns:p14="http://schemas.microsoft.com/office/powerpoint/2010/main" val="1447070425"/>
+        <p14:creationId xmlns:p14="http://schemas.microsoft.com/office/powerpoint/2010/main" xmlns="" val="1447070425"/>
       </p:ext>
     </p:extLst>
   </p:cSld>
@@ -2825,7 +2824,7 @@
             <a:fld id="{48A87A34-81AB-432B-8DAE-1953F412C126}" type="datetimeFigureOut">
               <a:rPr lang="en-US" smtClean="0"/>
               <a:pPr/>
-              <a:t>8/14/2017</a:t>
+              <a:t>8/20/2017</a:t>
             </a:fld>
             <a:endParaRPr lang="en-US" dirty="0"/>
           </a:p>
@@ -2877,7 +2876,7 @@
     </p:spTree>
     <p:extLst>
       <p:ext uri="{BB962C8B-B14F-4D97-AF65-F5344CB8AC3E}">
-        <p14:creationId xmlns="" xmlns:p14="http://schemas.microsoft.com/office/powerpoint/2010/main" val="3648480235"/>
+        <p14:creationId xmlns:p14="http://schemas.microsoft.com/office/powerpoint/2010/main" xmlns="" val="3648480235"/>
       </p:ext>
     </p:extLst>
   </p:cSld>
@@ -3003,7 +3002,7 @@
             <a:fld id="{48A87A34-81AB-432B-8DAE-1953F412C126}" type="datetimeFigureOut">
               <a:rPr lang="en-US" smtClean="0"/>
               <a:pPr/>
-              <a:t>8/14/2017</a:t>
+              <a:t>8/20/2017</a:t>
             </a:fld>
             <a:endParaRPr lang="en-US" dirty="0"/>
           </a:p>
@@ -3055,7 +3054,7 @@
     </p:spTree>
     <p:extLst>
       <p:ext uri="{BB962C8B-B14F-4D97-AF65-F5344CB8AC3E}">
-        <p14:creationId xmlns="" xmlns:p14="http://schemas.microsoft.com/office/powerpoint/2010/main" val="2649633687"/>
+        <p14:creationId xmlns:p14="http://schemas.microsoft.com/office/powerpoint/2010/main" xmlns="" val="2649633687"/>
       </p:ext>
     </p:extLst>
   </p:cSld>
@@ -3252,7 +3251,7 @@
             <a:fld id="{48A87A34-81AB-432B-8DAE-1953F412C126}" type="datetimeFigureOut">
               <a:rPr lang="en-US" smtClean="0"/>
               <a:pPr/>
-              <a:t>8/14/2017</a:t>
+              <a:t>8/20/2017</a:t>
             </a:fld>
             <a:endParaRPr lang="en-US" dirty="0"/>
           </a:p>
@@ -3304,7 +3303,7 @@
     </p:spTree>
     <p:extLst>
       <p:ext uri="{BB962C8B-B14F-4D97-AF65-F5344CB8AC3E}">
-        <p14:creationId xmlns="" xmlns:p14="http://schemas.microsoft.com/office/powerpoint/2010/main" val="572893903"/>
+        <p14:creationId xmlns:p14="http://schemas.microsoft.com/office/powerpoint/2010/main" xmlns="" val="572893903"/>
       </p:ext>
     </p:extLst>
   </p:cSld>
@@ -3486,7 +3485,7 @@
             <a:fld id="{48A87A34-81AB-432B-8DAE-1953F412C126}" type="datetimeFigureOut">
               <a:rPr lang="en-US" smtClean="0"/>
               <a:pPr/>
-              <a:t>8/14/2017</a:t>
+              <a:t>8/20/2017</a:t>
             </a:fld>
             <a:endParaRPr lang="en-US" dirty="0"/>
           </a:p>
@@ -3538,7 +3537,7 @@
     </p:spTree>
     <p:extLst>
       <p:ext uri="{BB962C8B-B14F-4D97-AF65-F5344CB8AC3E}">
-        <p14:creationId xmlns="" xmlns:p14="http://schemas.microsoft.com/office/powerpoint/2010/main" val="3918475607"/>
+        <p14:creationId xmlns:p14="http://schemas.microsoft.com/office/powerpoint/2010/main" xmlns="" val="3918475607"/>
       </p:ext>
     </p:extLst>
   </p:cSld>
@@ -3862,7 +3861,7 @@
             <a:fld id="{48A87A34-81AB-432B-8DAE-1953F412C126}" type="datetimeFigureOut">
               <a:rPr lang="en-US" smtClean="0"/>
               <a:pPr/>
-              <a:t>8/14/2017</a:t>
+              <a:t>8/20/2017</a:t>
             </a:fld>
             <a:endParaRPr lang="en-US" dirty="0"/>
           </a:p>
@@ -3914,7 +3913,7 @@
     </p:spTree>
     <p:extLst>
       <p:ext uri="{BB962C8B-B14F-4D97-AF65-F5344CB8AC3E}">
-        <p14:creationId xmlns="" xmlns:p14="http://schemas.microsoft.com/office/powerpoint/2010/main" val="70569158"/>
+        <p14:creationId xmlns:p14="http://schemas.microsoft.com/office/powerpoint/2010/main" xmlns="" val="70569158"/>
       </p:ext>
     </p:extLst>
   </p:cSld>
@@ -3987,7 +3986,7 @@
             <a:fld id="{48A87A34-81AB-432B-8DAE-1953F412C126}" type="datetimeFigureOut">
               <a:rPr lang="en-US" smtClean="0"/>
               <a:pPr/>
-              <a:t>8/14/2017</a:t>
+              <a:t>8/20/2017</a:t>
             </a:fld>
             <a:endParaRPr lang="en-US" dirty="0"/>
           </a:p>
@@ -4039,7 +4038,7 @@
     </p:spTree>
     <p:extLst>
       <p:ext uri="{BB962C8B-B14F-4D97-AF65-F5344CB8AC3E}">
-        <p14:creationId xmlns="" xmlns:p14="http://schemas.microsoft.com/office/powerpoint/2010/main" val="3956773614"/>
+        <p14:creationId xmlns:p14="http://schemas.microsoft.com/office/powerpoint/2010/main" xmlns="" val="3956773614"/>
       </p:ext>
     </p:extLst>
   </p:cSld>
@@ -4084,7 +4083,7 @@
             <a:fld id="{48A87A34-81AB-432B-8DAE-1953F412C126}" type="datetimeFigureOut">
               <a:rPr lang="en-US" smtClean="0"/>
               <a:pPr/>
-              <a:t>8/14/2017</a:t>
+              <a:t>8/20/2017</a:t>
             </a:fld>
             <a:endParaRPr lang="en-US" dirty="0"/>
           </a:p>
@@ -4136,7 +4135,7 @@
     </p:spTree>
     <p:extLst>
       <p:ext uri="{BB962C8B-B14F-4D97-AF65-F5344CB8AC3E}">
-        <p14:creationId xmlns="" xmlns:p14="http://schemas.microsoft.com/office/powerpoint/2010/main" val="843387325"/>
+        <p14:creationId xmlns:p14="http://schemas.microsoft.com/office/powerpoint/2010/main" xmlns="" val="843387325"/>
       </p:ext>
     </p:extLst>
   </p:cSld>
@@ -4341,7 +4340,7 @@
             <a:fld id="{48A87A34-81AB-432B-8DAE-1953F412C126}" type="datetimeFigureOut">
               <a:rPr lang="en-US" smtClean="0"/>
               <a:pPr/>
-              <a:t>8/14/2017</a:t>
+              <a:t>8/20/2017</a:t>
             </a:fld>
             <a:endParaRPr lang="en-US" dirty="0"/>
           </a:p>
@@ -4393,7 +4392,7 @@
     </p:spTree>
     <p:extLst>
       <p:ext uri="{BB962C8B-B14F-4D97-AF65-F5344CB8AC3E}">
-        <p14:creationId xmlns="" xmlns:p14="http://schemas.microsoft.com/office/powerpoint/2010/main" val="614752468"/>
+        <p14:creationId xmlns:p14="http://schemas.microsoft.com/office/powerpoint/2010/main" xmlns="" val="614752468"/>
       </p:ext>
     </p:extLst>
   </p:cSld>
@@ -4606,7 +4605,7 @@
             <a:fld id="{48A87A34-81AB-432B-8DAE-1953F412C126}" type="datetimeFigureOut">
               <a:rPr lang="en-US" smtClean="0"/>
               <a:pPr/>
-              <a:t>8/14/2017</a:t>
+              <a:t>8/20/2017</a:t>
             </a:fld>
             <a:endParaRPr lang="en-US" dirty="0"/>
           </a:p>
@@ -4658,7 +4657,7 @@
     </p:spTree>
     <p:extLst>
       <p:ext uri="{BB962C8B-B14F-4D97-AF65-F5344CB8AC3E}">
-        <p14:creationId xmlns="" xmlns:p14="http://schemas.microsoft.com/office/powerpoint/2010/main" val="2525773852"/>
+        <p14:creationId xmlns:p14="http://schemas.microsoft.com/office/powerpoint/2010/main" xmlns="" val="2525773852"/>
       </p:ext>
     </p:extLst>
   </p:cSld>
@@ -5351,7 +5350,7 @@
             <a:fld id="{48A87A34-81AB-432B-8DAE-1953F412C126}" type="datetimeFigureOut">
               <a:rPr lang="en-US" smtClean="0"/>
               <a:pPr/>
-              <a:t>8/14/2017</a:t>
+              <a:t>8/20/2017</a:t>
             </a:fld>
             <a:endParaRPr lang="en-US" dirty="0"/>
           </a:p>
@@ -5437,7 +5436,7 @@
     </p:spTree>
     <p:extLst>
       <p:ext uri="{BB962C8B-B14F-4D97-AF65-F5344CB8AC3E}">
-        <p14:creationId xmlns="" xmlns:p14="http://schemas.microsoft.com/office/powerpoint/2010/main" val="2849168193"/>
+        <p14:creationId xmlns:p14="http://schemas.microsoft.com/office/powerpoint/2010/main" xmlns="" val="2849168193"/>
       </p:ext>
     </p:extLst>
   </p:cSld>
@@ -5894,20 +5893,35 @@
         </p:spPr>
         <p:txBody>
           <a:bodyPr>
-            <a:normAutofit/>
+            <a:normAutofit fontScale="90000"/>
           </a:bodyPr>
           <a:lstStyle/>
           <a:p>
             <a:r>
               <a:rPr lang="he-IL" sz="8000" dirty="0" smtClean="0"/>
-              <a:t>מתכנתים את הרובוט!</a:t>
+              <a:t>מתכנתים את הרובוט</a:t>
+            </a:r>
+            <a:r>
+              <a:rPr lang="he-IL" sz="8000" dirty="0" smtClean="0"/>
+              <a:t>!</a:t>
             </a:r>
             <a:br>
               <a:rPr lang="he-IL" sz="8000" dirty="0" smtClean="0"/>
             </a:br>
             <a:r>
               <a:rPr lang="he-IL" sz="8000" dirty="0" smtClean="0"/>
-              <a:t>צלילים ומנועים</a:t>
+              <a:t>ברוכים הבאים לסקראץ'</a:t>
+            </a:r>
+            <a:r>
+              <a:rPr lang="he-IL" sz="8000" dirty="0" smtClean="0"/>
+              <a:t/>
+            </a:r>
+            <a:br>
+              <a:rPr lang="he-IL" sz="8000" dirty="0" smtClean="0"/>
+            </a:br>
+            <a:r>
+              <a:rPr lang="he-IL" sz="8000" dirty="0" smtClean="0"/>
+              <a:t>הפעלת המנועים</a:t>
             </a:r>
             <a:endParaRPr lang="he-IL" sz="8000" dirty="0"/>
           </a:p>
@@ -5916,7 +5930,7 @@
     </p:spTree>
     <p:extLst>
       <p:ext uri="{BB962C8B-B14F-4D97-AF65-F5344CB8AC3E}">
-        <p14:creationId xmlns="" xmlns:p14="http://schemas.microsoft.com/office/powerpoint/2010/main" val="1597654807"/>
+        <p14:creationId xmlns:p14="http://schemas.microsoft.com/office/powerpoint/2010/main" xmlns="" val="1597654807"/>
       </p:ext>
     </p:extLst>
   </p:cSld>
@@ -6020,11 +6034,7 @@
             <a:pPr lvl="1"/>
             <a:r>
               <a:rPr lang="he-IL" sz="3800" dirty="0" smtClean="0"/>
-              <a:t> פקודות כובע להתחלת </a:t>
-            </a:r>
-            <a:r>
-              <a:rPr lang="he-IL" sz="3800" dirty="0" smtClean="0"/>
-              <a:t>תהליכים</a:t>
+              <a:t> פקודות כובע להתחלת תהליכים</a:t>
             </a:r>
           </a:p>
           <a:p>
@@ -6033,55 +6043,39 @@
               <a:rPr lang="he-IL" sz="3600" dirty="0" smtClean="0"/>
               <a:t> אירוע – מתניע את התסריט</a:t>
             </a:r>
-            <a:endParaRPr lang="he-IL" sz="3600" dirty="0" smtClean="0"/>
           </a:p>
           <a:p>
             <a:pPr lvl="1"/>
             <a:r>
               <a:rPr lang="he-IL" sz="3800" dirty="0" smtClean="0"/>
-              <a:t> פקודות תנאי לביצוע </a:t>
-            </a:r>
+              <a:t> פקודות תנאי לביצוע בדיקות</a:t>
+            </a:r>
+          </a:p>
+          <a:p>
+            <a:pPr lvl="2"/>
+            <a:r>
+              <a:rPr lang="he-IL" sz="3600" dirty="0" smtClean="0"/>
+              <a:t> תנאים – אם ואם לא</a:t>
+            </a:r>
+          </a:p>
+          <a:p>
+            <a:pPr lvl="1"/>
             <a:r>
               <a:rPr lang="he-IL" sz="3800" dirty="0" smtClean="0"/>
-              <a:t>בדיקות</a:t>
-            </a:r>
-          </a:p>
-          <a:p>
-            <a:pPr lvl="2"/>
-            <a:r>
-              <a:rPr lang="he-IL" sz="3600" dirty="0" smtClean="0"/>
-              <a:t> </a:t>
-            </a:r>
-            <a:r>
-              <a:rPr lang="he-IL" sz="3600" dirty="0" smtClean="0"/>
-              <a:t>תנאים – אם ואם לא</a:t>
-            </a:r>
-            <a:endParaRPr lang="he-IL" sz="3600" dirty="0" smtClean="0"/>
-          </a:p>
-          <a:p>
-            <a:pPr lvl="1"/>
+              <a:t> פקודות לביצוע </a:t>
+            </a:r>
             <a:r>
               <a:rPr lang="he-IL" sz="3800" dirty="0" smtClean="0"/>
-              <a:t> פקודות </a:t>
-            </a:r>
-            <a:r>
-              <a:rPr lang="he-IL" sz="3800" dirty="0" smtClean="0"/>
-              <a:t>לביצוע פעולות</a:t>
+              <a:t>פעולות</a:t>
             </a:r>
             <a:endParaRPr lang="he-IL" sz="3800" dirty="0" smtClean="0"/>
-          </a:p>
-          <a:p>
-            <a:r>
-              <a:rPr lang="he-IL" sz="4000" dirty="0" smtClean="0"/>
-              <a:t> </a:t>
-            </a:r>
           </a:p>
         </p:txBody>
       </p:sp>
     </p:spTree>
     <p:extLst>
       <p:ext uri="{BB962C8B-B14F-4D97-AF65-F5344CB8AC3E}">
-        <p14:creationId xmlns="" xmlns:p14="http://schemas.microsoft.com/office/powerpoint/2010/main" val="999608912"/>
+        <p14:creationId xmlns:p14="http://schemas.microsoft.com/office/powerpoint/2010/main" xmlns="" val="999608912"/>
       </p:ext>
     </p:extLst>
   </p:cSld>
@@ -6178,13 +6172,8 @@
           <a:p>
             <a:r>
               <a:rPr lang="he-IL" sz="4000" dirty="0" smtClean="0"/>
-              <a:t> סוגי פקודות </a:t>
-            </a:r>
-            <a:r>
-              <a:rPr lang="he-IL" sz="4000" dirty="0" smtClean="0"/>
-              <a:t>רובוט</a:t>
-            </a:r>
-            <a:endParaRPr lang="he-IL" sz="4000" dirty="0" smtClean="0"/>
+              <a:t> סוגי פקודות רובוט</a:t>
+            </a:r>
           </a:p>
           <a:p>
             <a:pPr lvl="1"/>
@@ -6194,11 +6183,7 @@
             </a:r>
             <a:r>
               <a:rPr lang="he-IL" sz="3600" dirty="0" smtClean="0"/>
-              <a:t>פקודות כובע להתחלת </a:t>
-            </a:r>
-            <a:r>
-              <a:rPr lang="he-IL" sz="3600" dirty="0" smtClean="0"/>
-              <a:t>תהליכים</a:t>
+              <a:t>פקודות כובע להתחלת תהליכים</a:t>
             </a:r>
             <a:endParaRPr lang="he-IL" sz="3800" dirty="0" smtClean="0"/>
           </a:p>
@@ -6218,22 +6203,14 @@
             <a:pPr lvl="1"/>
             <a:r>
               <a:rPr lang="he-IL" sz="3600" dirty="0" smtClean="0"/>
-              <a:t> פקודות </a:t>
-            </a:r>
-            <a:r>
-              <a:rPr lang="he-IL" sz="3600" dirty="0" smtClean="0"/>
-              <a:t>תנאי</a:t>
+              <a:t> פקודות תנאי</a:t>
             </a:r>
           </a:p>
           <a:p>
             <a:pPr lvl="2"/>
             <a:r>
               <a:rPr lang="he-IL" sz="3200" dirty="0" smtClean="0"/>
-              <a:t>שילוב </a:t>
-            </a:r>
-            <a:r>
-              <a:rPr lang="he-IL" sz="3200" dirty="0" smtClean="0"/>
-              <a:t>פקודות קריאת ערכי חיישנים</a:t>
+              <a:t>שילוב פקודות קריאת ערכי חיישנים</a:t>
             </a:r>
           </a:p>
           <a:p>
@@ -6244,15 +6221,7 @@
             </a:r>
             <a:r>
               <a:rPr lang="he-IL" sz="3600" dirty="0" smtClean="0"/>
-              <a:t>פקודות </a:t>
-            </a:r>
-            <a:r>
-              <a:rPr lang="he-IL" sz="3600" dirty="0" smtClean="0"/>
-              <a:t>עבודה להפעלת אמצעי </a:t>
-            </a:r>
-            <a:r>
-              <a:rPr lang="he-IL" sz="3600" dirty="0" smtClean="0"/>
-              <a:t>פלט</a:t>
+              <a:t>פקודות עבודה להפעלת אמצעי פלט</a:t>
             </a:r>
             <a:endParaRPr lang="he-IL" sz="4000" dirty="0" smtClean="0"/>
           </a:p>
@@ -6261,7 +6230,7 @@
     </p:spTree>
     <p:extLst>
       <p:ext uri="{BB962C8B-B14F-4D97-AF65-F5344CB8AC3E}">
-        <p14:creationId xmlns="" xmlns:p14="http://schemas.microsoft.com/office/powerpoint/2010/main" val="999608912"/>
+        <p14:creationId xmlns:p14="http://schemas.microsoft.com/office/powerpoint/2010/main" xmlns="" val="999608912"/>
       </p:ext>
     </p:extLst>
   </p:cSld>
@@ -6320,7 +6289,7 @@
             <a:pPr algn="r"/>
             <a:r>
               <a:rPr lang="he-IL" sz="4400" b="1" dirty="0" smtClean="0"/>
-              <a:t>תכנות הרובוט - צלילים</a:t>
+              <a:t>תכנות הרובוט - הפעלת מנועים</a:t>
             </a:r>
             <a:endParaRPr lang="he-IL" sz="4400" b="1" dirty="0"/>
           </a:p>
@@ -6338,8 +6307,8 @@
         </p:nvSpPr>
         <p:spPr>
           <a:xfrm>
-            <a:off x="0" y="1494263"/>
-            <a:ext cx="9274002" cy="5062654"/>
+            <a:off x="0" y="1494262"/>
+            <a:ext cx="9274002" cy="5847063"/>
           </a:xfrm>
         </p:spPr>
         <p:txBody>
@@ -6350,47 +6319,82 @@
           <a:p>
             <a:r>
               <a:rPr lang="he-IL" sz="4000" dirty="0" smtClean="0"/>
-              <a:t> פקודות השמעת צליל</a:t>
+              <a:t> פקודות הפעלת מנוע</a:t>
             </a:r>
           </a:p>
           <a:p>
             <a:pPr lvl="1"/>
             <a:r>
-              <a:rPr lang="he-IL" sz="3800" dirty="0" smtClean="0"/>
-              <a:t> נגן צליל </a:t>
+              <a:rPr lang="he-IL" sz="3600" dirty="0" smtClean="0"/>
+              <a:t> </a:t>
+            </a:r>
+            <a:r>
+              <a:rPr lang="he-IL" sz="3200" dirty="0" smtClean="0"/>
+              <a:t>לקביעת מהירות וכיוון סיבוב </a:t>
+            </a:r>
+            <a:r>
+              <a:rPr lang="he-IL" sz="3200" dirty="0" smtClean="0"/>
+              <a:t>המנוע</a:t>
             </a:r>
           </a:p>
           <a:p>
             <a:pPr lvl="1"/>
             <a:r>
-              <a:rPr lang="he-IL" sz="3800" dirty="0" smtClean="0"/>
-              <a:t> נגן צליל עד לסיומו</a:t>
-            </a:r>
-          </a:p>
-          <a:p>
+              <a:rPr lang="he-IL" sz="3200" dirty="0" smtClean="0"/>
+              <a:t> מהו פרמטר – קביעת ערך בתוך </a:t>
+            </a:r>
+            <a:r>
+              <a:rPr lang="he-IL" sz="3200" dirty="0" smtClean="0"/>
+              <a:t>הפקודה</a:t>
+            </a:r>
+            <a:endParaRPr lang="he-IL" sz="3200" dirty="0" smtClean="0"/>
+          </a:p>
+          <a:p>
+            <a:pPr lvl="1"/>
+            <a:r>
+              <a:rPr lang="he-IL" sz="3200" dirty="0" smtClean="0"/>
+              <a:t> מהירות 0 = עצירת המנוע</a:t>
+            </a:r>
+          </a:p>
+          <a:p>
+            <a:r>
+              <a:rPr lang="he-IL" sz="4200" dirty="0" smtClean="0"/>
+              <a:t> </a:t>
+            </a:r>
             <a:r>
               <a:rPr lang="he-IL" sz="4000" dirty="0" smtClean="0"/>
-              <a:t> הפעלה בודדת</a:t>
-            </a:r>
-          </a:p>
-          <a:p>
+              <a:t>בניית תסריט להפעלת שני המנועים ועצירתם לאחר </a:t>
+            </a:r>
             <a:r>
               <a:rPr lang="he-IL" sz="4000" dirty="0" smtClean="0"/>
-              <a:t> בניית תסריט להשמעת 3 צלילים ברצף</a:t>
-            </a:r>
+              <a:t>שניה</a:t>
+            </a:r>
+            <a:endParaRPr lang="he-IL" sz="4200" dirty="0" smtClean="0"/>
           </a:p>
           <a:p>
             <a:pPr lvl="1"/>
             <a:r>
-              <a:rPr lang="he-IL" sz="3800" dirty="0" smtClean="0"/>
+              <a:rPr lang="he-IL" sz="3200" dirty="0" smtClean="0"/>
               <a:t> פקודת כובע הדגל הירוק (אירועים)</a:t>
             </a:r>
           </a:p>
           <a:p>
             <a:pPr lvl="1"/>
             <a:r>
-              <a:rPr lang="he-IL" sz="3800" dirty="0" smtClean="0"/>
-              <a:t> מהו פרמטר – קביעת ערך בתוך הפקודה</a:t>
+              <a:rPr lang="he-IL" sz="3200" dirty="0" smtClean="0"/>
+              <a:t>פקודת </a:t>
+            </a:r>
+            <a:r>
+              <a:rPr lang="he-IL" sz="3200" dirty="0" smtClean="0"/>
+              <a:t>חכה </a:t>
+            </a:r>
+            <a:r>
+              <a:rPr lang="en-US" sz="3200" dirty="0" smtClean="0"/>
+              <a:t>X</a:t>
+            </a:r>
+            <a:r>
+              <a:rPr lang="he-IL" sz="3200" dirty="0" smtClean="0"/>
+              <a:t> שניות (בקרה)</a:t>
             </a:r>
           </a:p>
         </p:txBody>
@@ -6398,7 +6402,7 @@
     </p:spTree>
     <p:extLst>
       <p:ext uri="{BB962C8B-B14F-4D97-AF65-F5344CB8AC3E}">
-        <p14:creationId xmlns="" xmlns:p14="http://schemas.microsoft.com/office/powerpoint/2010/main" val="999608912"/>
+        <p14:creationId xmlns:p14="http://schemas.microsoft.com/office/powerpoint/2010/main" xmlns="" val="999608912"/>
       </p:ext>
     </p:extLst>
   </p:cSld>
@@ -6442,138 +6446,6 @@
             <p:ph type="title"/>
           </p:nvPr>
         </p:nvSpPr>
-        <p:spPr>
-          <a:xfrm>
-            <a:off x="677334" y="609600"/>
-            <a:ext cx="8596668" cy="773151"/>
-          </a:xfrm>
-        </p:spPr>
-        <p:txBody>
-          <a:bodyPr>
-            <a:normAutofit/>
-          </a:bodyPr>
-          <a:lstStyle/>
-          <a:p>
-            <a:pPr algn="r"/>
-            <a:r>
-              <a:rPr lang="he-IL" sz="4400" b="1" dirty="0" smtClean="0"/>
-              <a:t>תכנות הרובוט - הפעלת מנועים</a:t>
-            </a:r>
-            <a:endParaRPr lang="he-IL" sz="4400" b="1" dirty="0"/>
-          </a:p>
-        </p:txBody>
-      </p:sp>
-      <p:sp>
-        <p:nvSpPr>
-          <p:cNvPr id="3" name="מציין מיקום תוכן 2"/>
-          <p:cNvSpPr>
-            <a:spLocks noGrp="1"/>
-          </p:cNvSpPr>
-          <p:nvPr>
-            <p:ph idx="1"/>
-          </p:nvPr>
-        </p:nvSpPr>
-        <p:spPr>
-          <a:xfrm>
-            <a:off x="0" y="1494263"/>
-            <a:ext cx="9274002" cy="5062654"/>
-          </a:xfrm>
-        </p:spPr>
-        <p:txBody>
-          <a:bodyPr>
-            <a:noAutofit/>
-          </a:bodyPr>
-          <a:lstStyle/>
-          <a:p>
-            <a:r>
-              <a:rPr lang="he-IL" sz="4000" dirty="0" smtClean="0"/>
-              <a:t> פקודות הפעלת מנוע</a:t>
-            </a:r>
-          </a:p>
-          <a:p>
-            <a:pPr lvl="1"/>
-            <a:r>
-              <a:rPr lang="he-IL" sz="3600" dirty="0" smtClean="0"/>
-              <a:t> לקביעת מהירות וכיוון סיבוב המנוע</a:t>
-            </a:r>
-          </a:p>
-          <a:p>
-            <a:pPr lvl="1"/>
-            <a:r>
-              <a:rPr lang="he-IL" sz="3600" dirty="0" smtClean="0"/>
-              <a:t> מהירות 0 = עצירת המנוע</a:t>
-            </a:r>
-          </a:p>
-          <a:p>
-            <a:r>
-              <a:rPr lang="he-IL" sz="4200" dirty="0" smtClean="0"/>
-              <a:t> בניית תסריט להפעלת שני המנועים ועצירתם לאחר שניה</a:t>
-            </a:r>
-          </a:p>
-          <a:p>
-            <a:pPr lvl="1"/>
-            <a:r>
-              <a:rPr lang="he-IL" sz="3800" dirty="0" smtClean="0"/>
-              <a:t> פקודת חכה </a:t>
-            </a:r>
-            <a:r>
-              <a:rPr lang="en-US" sz="3800" dirty="0" smtClean="0"/>
-              <a:t>X</a:t>
-            </a:r>
-            <a:r>
-              <a:rPr lang="he-IL" sz="3800" dirty="0" smtClean="0"/>
-              <a:t> שניות (בקרה)</a:t>
-            </a:r>
-          </a:p>
-        </p:txBody>
-      </p:sp>
-    </p:spTree>
-    <p:extLst>
-      <p:ext uri="{BB962C8B-B14F-4D97-AF65-F5344CB8AC3E}">
-        <p14:creationId xmlns="" xmlns:p14="http://schemas.microsoft.com/office/powerpoint/2010/main" val="999608912"/>
-      </p:ext>
-    </p:extLst>
-  </p:cSld>
-  <p:clrMapOvr>
-    <a:masterClrMapping/>
-  </p:clrMapOvr>
-  <p:timing>
-    <p:tnLst>
-      <p:par>
-        <p:cTn id="1" dur="indefinite" restart="never" nodeType="tmRoot"/>
-      </p:par>
-    </p:tnLst>
-  </p:timing>
-</p:sld>
-</file>
-
-<file path=ppt/slides/slide14.xml><?xml version="1.0" encoding="utf-8"?>
-<p:sld xmlns:a="http://schemas.openxmlformats.org/drawingml/2006/main" xmlns:r="http://schemas.openxmlformats.org/officeDocument/2006/relationships" xmlns:p="http://schemas.openxmlformats.org/presentationml/2006/main">
-  <p:cSld>
-    <p:spTree>
-      <p:nvGrpSpPr>
-        <p:cNvPr id="1" name=""/>
-        <p:cNvGrpSpPr/>
-        <p:nvPr/>
-      </p:nvGrpSpPr>
-      <p:grpSpPr>
-        <a:xfrm>
-          <a:off x="0" y="0"/>
-          <a:ext cx="0" cy="0"/>
-          <a:chOff x="0" y="0"/>
-          <a:chExt cx="0" cy="0"/>
-        </a:xfrm>
-      </p:grpSpPr>
-      <p:sp>
-        <p:nvSpPr>
-          <p:cNvPr id="2" name="כותרת 1"/>
-          <p:cNvSpPr>
-            <a:spLocks noGrp="1"/>
-          </p:cNvSpPr>
-          <p:nvPr>
-            <p:ph type="title"/>
-          </p:nvPr>
-        </p:nvSpPr>
         <p:spPr/>
         <p:txBody>
           <a:bodyPr>
@@ -6662,7 +6534,7 @@
     </p:spTree>
     <p:extLst>
       <p:ext uri="{BB962C8B-B14F-4D97-AF65-F5344CB8AC3E}">
-        <p14:creationId xmlns:p14="http://schemas.microsoft.com/office/powerpoint/2010/main" xmlns="" val="2508929371"/>
+        <p14:creationId xmlns="" xmlns:p14="http://schemas.microsoft.com/office/powerpoint/2010/main" val="2508929371"/>
       </p:ext>
     </p:extLst>
   </p:cSld>
@@ -6795,7 +6667,7 @@
     </p:spTree>
     <p:extLst>
       <p:ext uri="{BB962C8B-B14F-4D97-AF65-F5344CB8AC3E}">
-        <p14:creationId xmlns="" xmlns:p14="http://schemas.microsoft.com/office/powerpoint/2010/main" val="2508929371"/>
+        <p14:creationId xmlns:p14="http://schemas.microsoft.com/office/powerpoint/2010/main" xmlns="" val="2508929371"/>
       </p:ext>
     </p:extLst>
   </p:cSld>
@@ -6905,7 +6777,7 @@
     </p:spTree>
     <p:extLst>
       <p:ext uri="{BB962C8B-B14F-4D97-AF65-F5344CB8AC3E}">
-        <p14:creationId xmlns="" xmlns:p14="http://schemas.microsoft.com/office/powerpoint/2010/main" val="2508929371"/>
+        <p14:creationId xmlns:p14="http://schemas.microsoft.com/office/powerpoint/2010/main" xmlns="" val="2508929371"/>
       </p:ext>
     </p:extLst>
   </p:cSld>
@@ -7049,7 +6921,7 @@
     </p:spTree>
     <p:extLst>
       <p:ext uri="{BB962C8B-B14F-4D97-AF65-F5344CB8AC3E}">
-        <p14:creationId xmlns="" xmlns:p14="http://schemas.microsoft.com/office/powerpoint/2010/main" val="999608912"/>
+        <p14:creationId xmlns:p14="http://schemas.microsoft.com/office/powerpoint/2010/main" xmlns="" val="999608912"/>
       </p:ext>
     </p:extLst>
   </p:cSld>
@@ -7181,7 +7053,7 @@
     </p:spTree>
     <p:extLst>
       <p:ext uri="{BB962C8B-B14F-4D97-AF65-F5344CB8AC3E}">
-        <p14:creationId xmlns="" xmlns:p14="http://schemas.microsoft.com/office/powerpoint/2010/main" val="999608912"/>
+        <p14:creationId xmlns:p14="http://schemas.microsoft.com/office/powerpoint/2010/main" xmlns="" val="999608912"/>
       </p:ext>
     </p:extLst>
   </p:cSld>
@@ -7276,7 +7148,7 @@
     </p:spTree>
     <p:extLst>
       <p:ext uri="{BB962C8B-B14F-4D97-AF65-F5344CB8AC3E}">
-        <p14:creationId xmlns="" xmlns:p14="http://schemas.microsoft.com/office/powerpoint/2010/main" val="999608912"/>
+        <p14:creationId xmlns:p14="http://schemas.microsoft.com/office/powerpoint/2010/main" xmlns="" val="999608912"/>
       </p:ext>
     </p:extLst>
   </p:cSld>
@@ -7371,7 +7243,7 @@
     </p:spTree>
     <p:extLst>
       <p:ext uri="{BB962C8B-B14F-4D97-AF65-F5344CB8AC3E}">
-        <p14:creationId xmlns="" xmlns:p14="http://schemas.microsoft.com/office/powerpoint/2010/main" val="999608912"/>
+        <p14:creationId xmlns:p14="http://schemas.microsoft.com/office/powerpoint/2010/main" xmlns="" val="999608912"/>
       </p:ext>
     </p:extLst>
   </p:cSld>
@@ -7466,7 +7338,7 @@
     </p:spTree>
     <p:extLst>
       <p:ext uri="{BB962C8B-B14F-4D97-AF65-F5344CB8AC3E}">
-        <p14:creationId xmlns="" xmlns:p14="http://schemas.microsoft.com/office/powerpoint/2010/main" val="999608912"/>
+        <p14:creationId xmlns:p14="http://schemas.microsoft.com/office/powerpoint/2010/main" xmlns="" val="999608912"/>
       </p:ext>
     </p:extLst>
   </p:cSld>
@@ -7563,11 +7435,7 @@
           <a:p>
             <a:r>
               <a:rPr lang="he-IL" sz="4000" dirty="0" smtClean="0"/>
-              <a:t> </a:t>
-            </a:r>
-            <a:r>
-              <a:rPr lang="he-IL" sz="4000" dirty="0" smtClean="0"/>
-              <a:t>משפחות הפקודות</a:t>
+              <a:t> משפחות הפקודות</a:t>
             </a:r>
           </a:p>
           <a:p>
@@ -7585,11 +7453,7 @@
             <a:pPr lvl="1"/>
             <a:r>
               <a:rPr lang="he-IL" sz="3200" dirty="0" smtClean="0"/>
-              <a:t> </a:t>
-            </a:r>
-            <a:r>
-              <a:rPr lang="he-IL" sz="3200" dirty="0" smtClean="0"/>
-              <a:t>מכנה משותף לכל משפחה</a:t>
+              <a:t> מכנה משותף לכל משפחה</a:t>
             </a:r>
           </a:p>
           <a:p>
@@ -7606,27 +7470,14 @@
             </a:r>
             <a:r>
               <a:rPr lang="he-IL" sz="3200" dirty="0" smtClean="0"/>
-              <a:t>לחיצה </a:t>
-            </a:r>
+              <a:t>לחיצה כפולה להפעלה חד-פעמית מיידית</a:t>
+            </a:r>
+          </a:p>
+          <a:p>
+            <a:pPr lvl="1"/>
             <a:r>
               <a:rPr lang="he-IL" sz="3200" dirty="0" smtClean="0"/>
-              <a:t>כפולה </a:t>
-            </a:r>
-            <a:r>
-              <a:rPr lang="he-IL" sz="3200" dirty="0" smtClean="0"/>
-              <a:t>להפעלה חד-פעמית מיידית</a:t>
-            </a:r>
-            <a:endParaRPr lang="he-IL" sz="3200" dirty="0" smtClean="0"/>
-          </a:p>
-          <a:p>
-            <a:pPr lvl="1"/>
-            <a:r>
-              <a:rPr lang="he-IL" sz="3200" dirty="0" smtClean="0"/>
-              <a:t> גרירה לשולחן העבודה </a:t>
-            </a:r>
-            <a:r>
-              <a:rPr lang="he-IL" sz="3200" dirty="0" smtClean="0"/>
-              <a:t>לשם הרכבת תסריט</a:t>
+              <a:t> גרירה לשולחן העבודה לשם הרכבת תסריט</a:t>
             </a:r>
             <a:endParaRPr lang="he-IL" sz="3600" dirty="0" smtClean="0"/>
           </a:p>
@@ -7635,7 +7486,7 @@
     </p:spTree>
     <p:extLst>
       <p:ext uri="{BB962C8B-B14F-4D97-AF65-F5344CB8AC3E}">
-        <p14:creationId xmlns="" xmlns:p14="http://schemas.microsoft.com/office/powerpoint/2010/main" val="999608912"/>
+        <p14:creationId xmlns:p14="http://schemas.microsoft.com/office/powerpoint/2010/main" xmlns="" val="999608912"/>
       </p:ext>
     </p:extLst>
   </p:cSld>
@@ -7903,7 +7754,7 @@
   <a:extraClrSchemeLst/>
   <a:extLst>
     <a:ext uri="{05A4C25C-085E-4340-85A3-A5531E510DB2}">
-      <thm15:themeFamily xmlns="" xmlns:thm15="http://schemas.microsoft.com/office/thememl/2012/main" name="Facet" id="{C0C680CD-088A-49FC-A102-D699147F32B2}" vid="{CFBC31BA-B70F-4F30-BCAA-4F3011E16C4D}"/>
+      <thm15:themeFamily xmlns:thm15="http://schemas.microsoft.com/office/thememl/2012/main" xmlns="" name="Facet" id="{C0C680CD-088A-49FC-A102-D699147F32B2}" vid="{CFBC31BA-B70F-4F30-BCAA-4F3011E16C4D}"/>
     </a:ext>
   </a:extLst>
 </a:theme>

--- a/src/ppt3.pptx
+++ b/src/ppt3.pptx
@@ -118,7 +118,7 @@
   </p:defaultTextStyle>
   <p:extLst>
     <p:ext uri="{EFAFB233-063F-42B5-8137-9DF3F51BA10A}">
-      <p15:sldGuideLst xmlns:p15="http://schemas.microsoft.com/office/powerpoint/2012/main" xmlns=""/>
+      <p15:sldGuideLst xmlns="" xmlns:p15="http://schemas.microsoft.com/office/powerpoint/2012/main"/>
     </p:ext>
   </p:extLst>
 </p:presentation>
@@ -847,7 +847,7 @@
             <a:fld id="{48A87A34-81AB-432B-8DAE-1953F412C126}" type="datetimeFigureOut">
               <a:rPr lang="en-US" smtClean="0"/>
               <a:pPr/>
-              <a:t>8/20/2017</a:t>
+              <a:t>8/22/2017</a:t>
             </a:fld>
             <a:endParaRPr lang="en-US" dirty="0"/>
           </a:p>
@@ -899,7 +899,7 @@
     </p:spTree>
     <p:extLst>
       <p:ext uri="{BB962C8B-B14F-4D97-AF65-F5344CB8AC3E}">
-        <p14:creationId xmlns:p14="http://schemas.microsoft.com/office/powerpoint/2010/main" xmlns="" val="2379700270"/>
+        <p14:creationId xmlns="" xmlns:p14="http://schemas.microsoft.com/office/powerpoint/2010/main" val="2379700270"/>
       </p:ext>
     </p:extLst>
   </p:cSld>
@@ -1100,7 +1100,7 @@
             <a:fld id="{48A87A34-81AB-432B-8DAE-1953F412C126}" type="datetimeFigureOut">
               <a:rPr lang="en-US" smtClean="0"/>
               <a:pPr/>
-              <a:t>8/20/2017</a:t>
+              <a:t>8/22/2017</a:t>
             </a:fld>
             <a:endParaRPr lang="en-US" dirty="0"/>
           </a:p>
@@ -1152,7 +1152,7 @@
     </p:spTree>
     <p:extLst>
       <p:ext uri="{BB962C8B-B14F-4D97-AF65-F5344CB8AC3E}">
-        <p14:creationId xmlns:p14="http://schemas.microsoft.com/office/powerpoint/2010/main" xmlns="" val="1804991245"/>
+        <p14:creationId xmlns="" xmlns:p14="http://schemas.microsoft.com/office/powerpoint/2010/main" val="1804991245"/>
       </p:ext>
     </p:extLst>
   </p:cSld>
@@ -1416,7 +1416,7 @@
             <a:fld id="{48A87A34-81AB-432B-8DAE-1953F412C126}" type="datetimeFigureOut">
               <a:rPr lang="en-US" smtClean="0"/>
               <a:pPr/>
-              <a:t>8/20/2017</a:t>
+              <a:t>8/22/2017</a:t>
             </a:fld>
             <a:endParaRPr lang="en-US" dirty="0"/>
           </a:p>
@@ -1558,7 +1558,7 @@
     </p:spTree>
     <p:extLst>
       <p:ext uri="{BB962C8B-B14F-4D97-AF65-F5344CB8AC3E}">
-        <p14:creationId xmlns:p14="http://schemas.microsoft.com/office/powerpoint/2010/main" xmlns="" val="1473712570"/>
+        <p14:creationId xmlns="" xmlns:p14="http://schemas.microsoft.com/office/powerpoint/2010/main" val="1473712570"/>
       </p:ext>
     </p:extLst>
   </p:cSld>
@@ -1759,7 +1759,7 @@
             <a:fld id="{48A87A34-81AB-432B-8DAE-1953F412C126}" type="datetimeFigureOut">
               <a:rPr lang="en-US" smtClean="0"/>
               <a:pPr/>
-              <a:t>8/20/2017</a:t>
+              <a:t>8/22/2017</a:t>
             </a:fld>
             <a:endParaRPr lang="en-US" dirty="0"/>
           </a:p>
@@ -1811,7 +1811,7 @@
     </p:spTree>
     <p:extLst>
       <p:ext uri="{BB962C8B-B14F-4D97-AF65-F5344CB8AC3E}">
-        <p14:creationId xmlns:p14="http://schemas.microsoft.com/office/powerpoint/2010/main" xmlns="" val="2530574234"/>
+        <p14:creationId xmlns="" xmlns:p14="http://schemas.microsoft.com/office/powerpoint/2010/main" val="2530574234"/>
       </p:ext>
     </p:extLst>
   </p:cSld>
@@ -2075,7 +2075,7 @@
             <a:fld id="{48A87A34-81AB-432B-8DAE-1953F412C126}" type="datetimeFigureOut">
               <a:rPr lang="en-US" smtClean="0"/>
               <a:pPr/>
-              <a:t>8/20/2017</a:t>
+              <a:t>8/22/2017</a:t>
             </a:fld>
             <a:endParaRPr lang="en-US" dirty="0"/>
           </a:p>
@@ -2209,7 +2209,7 @@
     </p:spTree>
     <p:extLst>
       <p:ext uri="{BB962C8B-B14F-4D97-AF65-F5344CB8AC3E}">
-        <p14:creationId xmlns:p14="http://schemas.microsoft.com/office/powerpoint/2010/main" xmlns="" val="1004790222"/>
+        <p14:creationId xmlns="" xmlns:p14="http://schemas.microsoft.com/office/powerpoint/2010/main" val="1004790222"/>
       </p:ext>
     </p:extLst>
   </p:cSld>
@@ -2470,7 +2470,7 @@
             <a:fld id="{48A87A34-81AB-432B-8DAE-1953F412C126}" type="datetimeFigureOut">
               <a:rPr lang="en-US" smtClean="0"/>
               <a:pPr/>
-              <a:t>8/20/2017</a:t>
+              <a:t>8/22/2017</a:t>
             </a:fld>
             <a:endParaRPr lang="en-US" dirty="0"/>
           </a:p>
@@ -2522,7 +2522,7 @@
     </p:spTree>
     <p:extLst>
       <p:ext uri="{BB962C8B-B14F-4D97-AF65-F5344CB8AC3E}">
-        <p14:creationId xmlns:p14="http://schemas.microsoft.com/office/powerpoint/2010/main" xmlns="" val="3328784466"/>
+        <p14:creationId xmlns="" xmlns:p14="http://schemas.microsoft.com/office/powerpoint/2010/main" val="3328784466"/>
       </p:ext>
     </p:extLst>
   </p:cSld>
@@ -2642,7 +2642,7 @@
             <a:fld id="{48A87A34-81AB-432B-8DAE-1953F412C126}" type="datetimeFigureOut">
               <a:rPr lang="en-US" smtClean="0"/>
               <a:pPr/>
-              <a:t>8/20/2017</a:t>
+              <a:t>8/22/2017</a:t>
             </a:fld>
             <a:endParaRPr lang="en-US" dirty="0"/>
           </a:p>
@@ -2694,7 +2694,7 @@
     </p:spTree>
     <p:extLst>
       <p:ext uri="{BB962C8B-B14F-4D97-AF65-F5344CB8AC3E}">
-        <p14:creationId xmlns:p14="http://schemas.microsoft.com/office/powerpoint/2010/main" xmlns="" val="1447070425"/>
+        <p14:creationId xmlns="" xmlns:p14="http://schemas.microsoft.com/office/powerpoint/2010/main" val="1447070425"/>
       </p:ext>
     </p:extLst>
   </p:cSld>
@@ -2824,7 +2824,7 @@
             <a:fld id="{48A87A34-81AB-432B-8DAE-1953F412C126}" type="datetimeFigureOut">
               <a:rPr lang="en-US" smtClean="0"/>
               <a:pPr/>
-              <a:t>8/20/2017</a:t>
+              <a:t>8/22/2017</a:t>
             </a:fld>
             <a:endParaRPr lang="en-US" dirty="0"/>
           </a:p>
@@ -2876,7 +2876,7 @@
     </p:spTree>
     <p:extLst>
       <p:ext uri="{BB962C8B-B14F-4D97-AF65-F5344CB8AC3E}">
-        <p14:creationId xmlns:p14="http://schemas.microsoft.com/office/powerpoint/2010/main" xmlns="" val="3648480235"/>
+        <p14:creationId xmlns="" xmlns:p14="http://schemas.microsoft.com/office/powerpoint/2010/main" val="3648480235"/>
       </p:ext>
     </p:extLst>
   </p:cSld>
@@ -3002,7 +3002,7 @@
             <a:fld id="{48A87A34-81AB-432B-8DAE-1953F412C126}" type="datetimeFigureOut">
               <a:rPr lang="en-US" smtClean="0"/>
               <a:pPr/>
-              <a:t>8/20/2017</a:t>
+              <a:t>8/22/2017</a:t>
             </a:fld>
             <a:endParaRPr lang="en-US" dirty="0"/>
           </a:p>
@@ -3054,7 +3054,7 @@
     </p:spTree>
     <p:extLst>
       <p:ext uri="{BB962C8B-B14F-4D97-AF65-F5344CB8AC3E}">
-        <p14:creationId xmlns:p14="http://schemas.microsoft.com/office/powerpoint/2010/main" xmlns="" val="2649633687"/>
+        <p14:creationId xmlns="" xmlns:p14="http://schemas.microsoft.com/office/powerpoint/2010/main" val="2649633687"/>
       </p:ext>
     </p:extLst>
   </p:cSld>
@@ -3251,7 +3251,7 @@
             <a:fld id="{48A87A34-81AB-432B-8DAE-1953F412C126}" type="datetimeFigureOut">
               <a:rPr lang="en-US" smtClean="0"/>
               <a:pPr/>
-              <a:t>8/20/2017</a:t>
+              <a:t>8/22/2017</a:t>
             </a:fld>
             <a:endParaRPr lang="en-US" dirty="0"/>
           </a:p>
@@ -3303,7 +3303,7 @@
     </p:spTree>
     <p:extLst>
       <p:ext uri="{BB962C8B-B14F-4D97-AF65-F5344CB8AC3E}">
-        <p14:creationId xmlns:p14="http://schemas.microsoft.com/office/powerpoint/2010/main" xmlns="" val="572893903"/>
+        <p14:creationId xmlns="" xmlns:p14="http://schemas.microsoft.com/office/powerpoint/2010/main" val="572893903"/>
       </p:ext>
     </p:extLst>
   </p:cSld>
@@ -3485,7 +3485,7 @@
             <a:fld id="{48A87A34-81AB-432B-8DAE-1953F412C126}" type="datetimeFigureOut">
               <a:rPr lang="en-US" smtClean="0"/>
               <a:pPr/>
-              <a:t>8/20/2017</a:t>
+              <a:t>8/22/2017</a:t>
             </a:fld>
             <a:endParaRPr lang="en-US" dirty="0"/>
           </a:p>
@@ -3537,7 +3537,7 @@
     </p:spTree>
     <p:extLst>
       <p:ext uri="{BB962C8B-B14F-4D97-AF65-F5344CB8AC3E}">
-        <p14:creationId xmlns:p14="http://schemas.microsoft.com/office/powerpoint/2010/main" xmlns="" val="3918475607"/>
+        <p14:creationId xmlns="" xmlns:p14="http://schemas.microsoft.com/office/powerpoint/2010/main" val="3918475607"/>
       </p:ext>
     </p:extLst>
   </p:cSld>
@@ -3861,7 +3861,7 @@
             <a:fld id="{48A87A34-81AB-432B-8DAE-1953F412C126}" type="datetimeFigureOut">
               <a:rPr lang="en-US" smtClean="0"/>
               <a:pPr/>
-              <a:t>8/20/2017</a:t>
+              <a:t>8/22/2017</a:t>
             </a:fld>
             <a:endParaRPr lang="en-US" dirty="0"/>
           </a:p>
@@ -3913,7 +3913,7 @@
     </p:spTree>
     <p:extLst>
       <p:ext uri="{BB962C8B-B14F-4D97-AF65-F5344CB8AC3E}">
-        <p14:creationId xmlns:p14="http://schemas.microsoft.com/office/powerpoint/2010/main" xmlns="" val="70569158"/>
+        <p14:creationId xmlns="" xmlns:p14="http://schemas.microsoft.com/office/powerpoint/2010/main" val="70569158"/>
       </p:ext>
     </p:extLst>
   </p:cSld>
@@ -3986,7 +3986,7 @@
             <a:fld id="{48A87A34-81AB-432B-8DAE-1953F412C126}" type="datetimeFigureOut">
               <a:rPr lang="en-US" smtClean="0"/>
               <a:pPr/>
-              <a:t>8/20/2017</a:t>
+              <a:t>8/22/2017</a:t>
             </a:fld>
             <a:endParaRPr lang="en-US" dirty="0"/>
           </a:p>
@@ -4038,7 +4038,7 @@
     </p:spTree>
     <p:extLst>
       <p:ext uri="{BB962C8B-B14F-4D97-AF65-F5344CB8AC3E}">
-        <p14:creationId xmlns:p14="http://schemas.microsoft.com/office/powerpoint/2010/main" xmlns="" val="3956773614"/>
+        <p14:creationId xmlns="" xmlns:p14="http://schemas.microsoft.com/office/powerpoint/2010/main" val="3956773614"/>
       </p:ext>
     </p:extLst>
   </p:cSld>
@@ -4083,7 +4083,7 @@
             <a:fld id="{48A87A34-81AB-432B-8DAE-1953F412C126}" type="datetimeFigureOut">
               <a:rPr lang="en-US" smtClean="0"/>
               <a:pPr/>
-              <a:t>8/20/2017</a:t>
+              <a:t>8/22/2017</a:t>
             </a:fld>
             <a:endParaRPr lang="en-US" dirty="0"/>
           </a:p>
@@ -4135,7 +4135,7 @@
     </p:spTree>
     <p:extLst>
       <p:ext uri="{BB962C8B-B14F-4D97-AF65-F5344CB8AC3E}">
-        <p14:creationId xmlns:p14="http://schemas.microsoft.com/office/powerpoint/2010/main" xmlns="" val="843387325"/>
+        <p14:creationId xmlns="" xmlns:p14="http://schemas.microsoft.com/office/powerpoint/2010/main" val="843387325"/>
       </p:ext>
     </p:extLst>
   </p:cSld>
@@ -4340,7 +4340,7 @@
             <a:fld id="{48A87A34-81AB-432B-8DAE-1953F412C126}" type="datetimeFigureOut">
               <a:rPr lang="en-US" smtClean="0"/>
               <a:pPr/>
-              <a:t>8/20/2017</a:t>
+              <a:t>8/22/2017</a:t>
             </a:fld>
             <a:endParaRPr lang="en-US" dirty="0"/>
           </a:p>
@@ -4392,7 +4392,7 @@
     </p:spTree>
     <p:extLst>
       <p:ext uri="{BB962C8B-B14F-4D97-AF65-F5344CB8AC3E}">
-        <p14:creationId xmlns:p14="http://schemas.microsoft.com/office/powerpoint/2010/main" xmlns="" val="614752468"/>
+        <p14:creationId xmlns="" xmlns:p14="http://schemas.microsoft.com/office/powerpoint/2010/main" val="614752468"/>
       </p:ext>
     </p:extLst>
   </p:cSld>
@@ -4605,7 +4605,7 @@
             <a:fld id="{48A87A34-81AB-432B-8DAE-1953F412C126}" type="datetimeFigureOut">
               <a:rPr lang="en-US" smtClean="0"/>
               <a:pPr/>
-              <a:t>8/20/2017</a:t>
+              <a:t>8/22/2017</a:t>
             </a:fld>
             <a:endParaRPr lang="en-US" dirty="0"/>
           </a:p>
@@ -4657,7 +4657,7 @@
     </p:spTree>
     <p:extLst>
       <p:ext uri="{BB962C8B-B14F-4D97-AF65-F5344CB8AC3E}">
-        <p14:creationId xmlns:p14="http://schemas.microsoft.com/office/powerpoint/2010/main" xmlns="" val="2525773852"/>
+        <p14:creationId xmlns="" xmlns:p14="http://schemas.microsoft.com/office/powerpoint/2010/main" val="2525773852"/>
       </p:ext>
     </p:extLst>
   </p:cSld>
@@ -5350,7 +5350,7 @@
             <a:fld id="{48A87A34-81AB-432B-8DAE-1953F412C126}" type="datetimeFigureOut">
               <a:rPr lang="en-US" smtClean="0"/>
               <a:pPr/>
-              <a:t>8/20/2017</a:t>
+              <a:t>8/22/2017</a:t>
             </a:fld>
             <a:endParaRPr lang="en-US" dirty="0"/>
           </a:p>
@@ -5436,7 +5436,7 @@
     </p:spTree>
     <p:extLst>
       <p:ext uri="{BB962C8B-B14F-4D97-AF65-F5344CB8AC3E}">
-        <p14:creationId xmlns:p14="http://schemas.microsoft.com/office/powerpoint/2010/main" xmlns="" val="2849168193"/>
+        <p14:creationId xmlns="" xmlns:p14="http://schemas.microsoft.com/office/powerpoint/2010/main" val="2849168193"/>
       </p:ext>
     </p:extLst>
   </p:cSld>
@@ -5899,11 +5899,7 @@
           <a:p>
             <a:r>
               <a:rPr lang="he-IL" sz="8000" dirty="0" smtClean="0"/>
-              <a:t>מתכנתים את הרובוט</a:t>
-            </a:r>
-            <a:r>
-              <a:rPr lang="he-IL" sz="8000" dirty="0" smtClean="0"/>
-              <a:t>!</a:t>
+              <a:t>מתכנתים את הרובוט!</a:t>
             </a:r>
             <a:br>
               <a:rPr lang="he-IL" sz="8000" dirty="0" smtClean="0"/>
@@ -5912,10 +5908,6 @@
               <a:rPr lang="he-IL" sz="8000" dirty="0" smtClean="0"/>
               <a:t>ברוכים הבאים לסקראץ'</a:t>
             </a:r>
-            <a:r>
-              <a:rPr lang="he-IL" sz="8000" dirty="0" smtClean="0"/>
-              <a:t/>
-            </a:r>
             <a:br>
               <a:rPr lang="he-IL" sz="8000" dirty="0" smtClean="0"/>
             </a:br>
@@ -5930,7 +5922,7 @@
     </p:spTree>
     <p:extLst>
       <p:ext uri="{BB962C8B-B14F-4D97-AF65-F5344CB8AC3E}">
-        <p14:creationId xmlns:p14="http://schemas.microsoft.com/office/powerpoint/2010/main" xmlns="" val="1597654807"/>
+        <p14:creationId xmlns="" xmlns:p14="http://schemas.microsoft.com/office/powerpoint/2010/main" val="1597654807"/>
       </p:ext>
     </p:extLst>
   </p:cSld>
@@ -6062,20 +6054,15 @@
             <a:pPr lvl="1"/>
             <a:r>
               <a:rPr lang="he-IL" sz="3800" dirty="0" smtClean="0"/>
-              <a:t> פקודות לביצוע </a:t>
-            </a:r>
-            <a:r>
-              <a:rPr lang="he-IL" sz="3800" dirty="0" smtClean="0"/>
-              <a:t>פעולות</a:t>
-            </a:r>
-            <a:endParaRPr lang="he-IL" sz="3800" dirty="0" smtClean="0"/>
+              <a:t> פקודות לביצוע פעולות</a:t>
+            </a:r>
           </a:p>
         </p:txBody>
       </p:sp>
     </p:spTree>
     <p:extLst>
       <p:ext uri="{BB962C8B-B14F-4D97-AF65-F5344CB8AC3E}">
-        <p14:creationId xmlns:p14="http://schemas.microsoft.com/office/powerpoint/2010/main" xmlns="" val="999608912"/>
+        <p14:creationId xmlns="" xmlns:p14="http://schemas.microsoft.com/office/powerpoint/2010/main" val="999608912"/>
       </p:ext>
     </p:extLst>
   </p:cSld>
@@ -6230,7 +6217,7 @@
     </p:spTree>
     <p:extLst>
       <p:ext uri="{BB962C8B-B14F-4D97-AF65-F5344CB8AC3E}">
-        <p14:creationId xmlns:p14="http://schemas.microsoft.com/office/powerpoint/2010/main" xmlns="" val="999608912"/>
+        <p14:creationId xmlns="" xmlns:p14="http://schemas.microsoft.com/office/powerpoint/2010/main" val="999608912"/>
       </p:ext>
     </p:extLst>
   </p:cSld>
@@ -6330,24 +6317,15 @@
             </a:r>
             <a:r>
               <a:rPr lang="he-IL" sz="3200" dirty="0" smtClean="0"/>
-              <a:t>לקביעת מהירות וכיוון סיבוב </a:t>
-            </a:r>
+              <a:t>לקביעת מהירות וכיוון סיבוב המנוע</a:t>
+            </a:r>
+          </a:p>
+          <a:p>
+            <a:pPr lvl="1"/>
             <a:r>
               <a:rPr lang="he-IL" sz="3200" dirty="0" smtClean="0"/>
-              <a:t>המנוע</a:t>
-            </a:r>
-          </a:p>
-          <a:p>
-            <a:pPr lvl="1"/>
-            <a:r>
-              <a:rPr lang="he-IL" sz="3200" dirty="0" smtClean="0"/>
-              <a:t> מהו פרמטר – קביעת ערך בתוך </a:t>
-            </a:r>
-            <a:r>
-              <a:rPr lang="he-IL" sz="3200" dirty="0" smtClean="0"/>
-              <a:t>הפקודה</a:t>
-            </a:r>
-            <a:endParaRPr lang="he-IL" sz="3200" dirty="0" smtClean="0"/>
+              <a:t> מהו פרמטר – קביעת ערך בתוך הפקודה</a:t>
+            </a:r>
           </a:p>
           <a:p>
             <a:pPr lvl="1"/>
@@ -6363,11 +6341,7 @@
             </a:r>
             <a:r>
               <a:rPr lang="he-IL" sz="4000" dirty="0" smtClean="0"/>
-              <a:t>בניית תסריט להפעלת שני המנועים ועצירתם לאחר </a:t>
-            </a:r>
-            <a:r>
-              <a:rPr lang="he-IL" sz="4000" dirty="0" smtClean="0"/>
-              <a:t>שניה</a:t>
+              <a:t>בניית תסריט להפעלת שני המנועים ועצירתם לאחר שניה</a:t>
             </a:r>
             <a:endParaRPr lang="he-IL" sz="4200" dirty="0" smtClean="0"/>
           </a:p>
@@ -6382,11 +6356,7 @@
             <a:pPr lvl="1"/>
             <a:r>
               <a:rPr lang="he-IL" sz="3200" dirty="0" smtClean="0"/>
-              <a:t>פקודת </a:t>
-            </a:r>
-            <a:r>
-              <a:rPr lang="he-IL" sz="3200" dirty="0" smtClean="0"/>
-              <a:t>חכה </a:t>
+              <a:t>פקודת חכה </a:t>
             </a:r>
             <a:r>
               <a:rPr lang="en-US" sz="3200" dirty="0" smtClean="0"/>
@@ -6402,7 +6372,7 @@
     </p:spTree>
     <p:extLst>
       <p:ext uri="{BB962C8B-B14F-4D97-AF65-F5344CB8AC3E}">
-        <p14:creationId xmlns:p14="http://schemas.microsoft.com/office/powerpoint/2010/main" xmlns="" val="999608912"/>
+        <p14:creationId xmlns="" xmlns:p14="http://schemas.microsoft.com/office/powerpoint/2010/main" val="999608912"/>
       </p:ext>
     </p:extLst>
   </p:cSld>
@@ -6534,7 +6504,7 @@
     </p:spTree>
     <p:extLst>
       <p:ext uri="{BB962C8B-B14F-4D97-AF65-F5344CB8AC3E}">
-        <p14:creationId xmlns="" xmlns:p14="http://schemas.microsoft.com/office/powerpoint/2010/main" val="2508929371"/>
+        <p14:creationId xmlns:p14="http://schemas.microsoft.com/office/powerpoint/2010/main" xmlns="" val="2508929371"/>
       </p:ext>
     </p:extLst>
   </p:cSld>
@@ -6667,7 +6637,7 @@
     </p:spTree>
     <p:extLst>
       <p:ext uri="{BB962C8B-B14F-4D97-AF65-F5344CB8AC3E}">
-        <p14:creationId xmlns:p14="http://schemas.microsoft.com/office/powerpoint/2010/main" xmlns="" val="2508929371"/>
+        <p14:creationId xmlns="" xmlns:p14="http://schemas.microsoft.com/office/powerpoint/2010/main" val="2508929371"/>
       </p:ext>
     </p:extLst>
   </p:cSld>
@@ -6777,7 +6747,7 @@
     </p:spTree>
     <p:extLst>
       <p:ext uri="{BB962C8B-B14F-4D97-AF65-F5344CB8AC3E}">
-        <p14:creationId xmlns:p14="http://schemas.microsoft.com/office/powerpoint/2010/main" xmlns="" val="2508929371"/>
+        <p14:creationId xmlns="" xmlns:p14="http://schemas.microsoft.com/office/powerpoint/2010/main" val="2508929371"/>
       </p:ext>
     </p:extLst>
   </p:cSld>
@@ -6921,7 +6891,7 @@
     </p:spTree>
     <p:extLst>
       <p:ext uri="{BB962C8B-B14F-4D97-AF65-F5344CB8AC3E}">
-        <p14:creationId xmlns:p14="http://schemas.microsoft.com/office/powerpoint/2010/main" xmlns="" val="999608912"/>
+        <p14:creationId xmlns="" xmlns:p14="http://schemas.microsoft.com/office/powerpoint/2010/main" val="999608912"/>
       </p:ext>
     </p:extLst>
   </p:cSld>
@@ -7053,7 +7023,7 @@
     </p:spTree>
     <p:extLst>
       <p:ext uri="{BB962C8B-B14F-4D97-AF65-F5344CB8AC3E}">
-        <p14:creationId xmlns:p14="http://schemas.microsoft.com/office/powerpoint/2010/main" xmlns="" val="999608912"/>
+        <p14:creationId xmlns="" xmlns:p14="http://schemas.microsoft.com/office/powerpoint/2010/main" val="999608912"/>
       </p:ext>
     </p:extLst>
   </p:cSld>
@@ -7141,14 +7111,14 @@
         <p:spPr>
           <a:xfrm>
             <a:off x="379143" y="1583473"/>
-            <a:ext cx="11017552" cy="4947809"/>
+            <a:ext cx="11017552" cy="4947808"/>
           </a:xfrm>
         </p:spPr>
       </p:pic>
     </p:spTree>
     <p:extLst>
       <p:ext uri="{BB962C8B-B14F-4D97-AF65-F5344CB8AC3E}">
-        <p14:creationId xmlns:p14="http://schemas.microsoft.com/office/powerpoint/2010/main" xmlns="" val="999608912"/>
+        <p14:creationId xmlns="" xmlns:p14="http://schemas.microsoft.com/office/powerpoint/2010/main" val="999608912"/>
       </p:ext>
     </p:extLst>
   </p:cSld>
@@ -7243,7 +7213,7 @@
     </p:spTree>
     <p:extLst>
       <p:ext uri="{BB962C8B-B14F-4D97-AF65-F5344CB8AC3E}">
-        <p14:creationId xmlns:p14="http://schemas.microsoft.com/office/powerpoint/2010/main" xmlns="" val="999608912"/>
+        <p14:creationId xmlns="" xmlns:p14="http://schemas.microsoft.com/office/powerpoint/2010/main" val="999608912"/>
       </p:ext>
     </p:extLst>
   </p:cSld>
@@ -7338,7 +7308,7 @@
     </p:spTree>
     <p:extLst>
       <p:ext uri="{BB962C8B-B14F-4D97-AF65-F5344CB8AC3E}">
-        <p14:creationId xmlns:p14="http://schemas.microsoft.com/office/powerpoint/2010/main" xmlns="" val="999608912"/>
+        <p14:creationId xmlns="" xmlns:p14="http://schemas.microsoft.com/office/powerpoint/2010/main" val="999608912"/>
       </p:ext>
     </p:extLst>
   </p:cSld>
@@ -7486,7 +7456,7 @@
     </p:spTree>
     <p:extLst>
       <p:ext uri="{BB962C8B-B14F-4D97-AF65-F5344CB8AC3E}">
-        <p14:creationId xmlns:p14="http://schemas.microsoft.com/office/powerpoint/2010/main" xmlns="" val="999608912"/>
+        <p14:creationId xmlns="" xmlns:p14="http://schemas.microsoft.com/office/powerpoint/2010/main" val="999608912"/>
       </p:ext>
     </p:extLst>
   </p:cSld>
@@ -7754,7 +7724,7 @@
   <a:extraClrSchemeLst/>
   <a:extLst>
     <a:ext uri="{05A4C25C-085E-4340-85A3-A5531E510DB2}">
-      <thm15:themeFamily xmlns:thm15="http://schemas.microsoft.com/office/thememl/2012/main" xmlns="" name="Facet" id="{C0C680CD-088A-49FC-A102-D699147F32B2}" vid="{CFBC31BA-B70F-4F30-BCAA-4F3011E16C4D}"/>
+      <thm15:themeFamily xmlns="" xmlns:thm15="http://schemas.microsoft.com/office/thememl/2012/main" name="Facet" id="{C0C680CD-088A-49FC-A102-D699147F32B2}" vid="{CFBC31BA-B70F-4F30-BCAA-4F3011E16C4D}"/>
     </a:ext>
   </a:extLst>
 </a:theme>

--- a/src/ppt3.pptx
+++ b/src/ppt3.pptx
@@ -8,16 +8,15 @@
     <p:sldId id="256" r:id="rId2"/>
     <p:sldId id="274" r:id="rId3"/>
     <p:sldId id="275" r:id="rId4"/>
-    <p:sldId id="268" r:id="rId5"/>
-    <p:sldId id="276" r:id="rId6"/>
-    <p:sldId id="277" r:id="rId7"/>
-    <p:sldId id="278" r:id="rId8"/>
-    <p:sldId id="279" r:id="rId9"/>
-    <p:sldId id="281" r:id="rId10"/>
-    <p:sldId id="285" r:id="rId11"/>
-    <p:sldId id="286" r:id="rId12"/>
-    <p:sldId id="283" r:id="rId13"/>
-    <p:sldId id="273" r:id="rId14"/>
+    <p:sldId id="287" r:id="rId5"/>
+    <p:sldId id="288" r:id="rId6"/>
+    <p:sldId id="276" r:id="rId7"/>
+    <p:sldId id="277" r:id="rId8"/>
+    <p:sldId id="278" r:id="rId9"/>
+    <p:sldId id="279" r:id="rId10"/>
+    <p:sldId id="281" r:id="rId11"/>
+    <p:sldId id="285" r:id="rId12"/>
+    <p:sldId id="273" r:id="rId13"/>
   </p:sldIdLst>
   <p:sldSz cx="12192000" cy="6858000"/>
   <p:notesSz cx="6858000" cy="9144000"/>
@@ -118,7 +117,7 @@
   </p:defaultTextStyle>
   <p:extLst>
     <p:ext uri="{EFAFB233-063F-42B5-8137-9DF3F51BA10A}">
-      <p15:sldGuideLst xmlns="" xmlns:p15="http://schemas.microsoft.com/office/powerpoint/2012/main"/>
+      <p15:sldGuideLst xmlns:p15="http://schemas.microsoft.com/office/powerpoint/2012/main" xmlns=""/>
     </p:ext>
   </p:extLst>
 </p:presentation>
@@ -847,7 +846,7 @@
             <a:fld id="{48A87A34-81AB-432B-8DAE-1953F412C126}" type="datetimeFigureOut">
               <a:rPr lang="en-US" smtClean="0"/>
               <a:pPr/>
-              <a:t>8/22/2017</a:t>
+              <a:t>8/30/2017</a:t>
             </a:fld>
             <a:endParaRPr lang="en-US" dirty="0"/>
           </a:p>
@@ -899,7 +898,7 @@
     </p:spTree>
     <p:extLst>
       <p:ext uri="{BB962C8B-B14F-4D97-AF65-F5344CB8AC3E}">
-        <p14:creationId xmlns="" xmlns:p14="http://schemas.microsoft.com/office/powerpoint/2010/main" val="2379700270"/>
+        <p14:creationId xmlns:p14="http://schemas.microsoft.com/office/powerpoint/2010/main" xmlns="" val="2379700270"/>
       </p:ext>
     </p:extLst>
   </p:cSld>
@@ -1100,7 +1099,7 @@
             <a:fld id="{48A87A34-81AB-432B-8DAE-1953F412C126}" type="datetimeFigureOut">
               <a:rPr lang="en-US" smtClean="0"/>
               <a:pPr/>
-              <a:t>8/22/2017</a:t>
+              <a:t>8/30/2017</a:t>
             </a:fld>
             <a:endParaRPr lang="en-US" dirty="0"/>
           </a:p>
@@ -1152,7 +1151,7 @@
     </p:spTree>
     <p:extLst>
       <p:ext uri="{BB962C8B-B14F-4D97-AF65-F5344CB8AC3E}">
-        <p14:creationId xmlns="" xmlns:p14="http://schemas.microsoft.com/office/powerpoint/2010/main" val="1804991245"/>
+        <p14:creationId xmlns:p14="http://schemas.microsoft.com/office/powerpoint/2010/main" xmlns="" val="1804991245"/>
       </p:ext>
     </p:extLst>
   </p:cSld>
@@ -1416,7 +1415,7 @@
             <a:fld id="{48A87A34-81AB-432B-8DAE-1953F412C126}" type="datetimeFigureOut">
               <a:rPr lang="en-US" smtClean="0"/>
               <a:pPr/>
-              <a:t>8/22/2017</a:t>
+              <a:t>8/30/2017</a:t>
             </a:fld>
             <a:endParaRPr lang="en-US" dirty="0"/>
           </a:p>
@@ -1558,7 +1557,7 @@
     </p:spTree>
     <p:extLst>
       <p:ext uri="{BB962C8B-B14F-4D97-AF65-F5344CB8AC3E}">
-        <p14:creationId xmlns="" xmlns:p14="http://schemas.microsoft.com/office/powerpoint/2010/main" val="1473712570"/>
+        <p14:creationId xmlns:p14="http://schemas.microsoft.com/office/powerpoint/2010/main" xmlns="" val="1473712570"/>
       </p:ext>
     </p:extLst>
   </p:cSld>
@@ -1759,7 +1758,7 @@
             <a:fld id="{48A87A34-81AB-432B-8DAE-1953F412C126}" type="datetimeFigureOut">
               <a:rPr lang="en-US" smtClean="0"/>
               <a:pPr/>
-              <a:t>8/22/2017</a:t>
+              <a:t>8/30/2017</a:t>
             </a:fld>
             <a:endParaRPr lang="en-US" dirty="0"/>
           </a:p>
@@ -1811,7 +1810,7 @@
     </p:spTree>
     <p:extLst>
       <p:ext uri="{BB962C8B-B14F-4D97-AF65-F5344CB8AC3E}">
-        <p14:creationId xmlns="" xmlns:p14="http://schemas.microsoft.com/office/powerpoint/2010/main" val="2530574234"/>
+        <p14:creationId xmlns:p14="http://schemas.microsoft.com/office/powerpoint/2010/main" xmlns="" val="2530574234"/>
       </p:ext>
     </p:extLst>
   </p:cSld>
@@ -2075,7 +2074,7 @@
             <a:fld id="{48A87A34-81AB-432B-8DAE-1953F412C126}" type="datetimeFigureOut">
               <a:rPr lang="en-US" smtClean="0"/>
               <a:pPr/>
-              <a:t>8/22/2017</a:t>
+              <a:t>8/30/2017</a:t>
             </a:fld>
             <a:endParaRPr lang="en-US" dirty="0"/>
           </a:p>
@@ -2209,7 +2208,7 @@
     </p:spTree>
     <p:extLst>
       <p:ext uri="{BB962C8B-B14F-4D97-AF65-F5344CB8AC3E}">
-        <p14:creationId xmlns="" xmlns:p14="http://schemas.microsoft.com/office/powerpoint/2010/main" val="1004790222"/>
+        <p14:creationId xmlns:p14="http://schemas.microsoft.com/office/powerpoint/2010/main" xmlns="" val="1004790222"/>
       </p:ext>
     </p:extLst>
   </p:cSld>
@@ -2470,7 +2469,7 @@
             <a:fld id="{48A87A34-81AB-432B-8DAE-1953F412C126}" type="datetimeFigureOut">
               <a:rPr lang="en-US" smtClean="0"/>
               <a:pPr/>
-              <a:t>8/22/2017</a:t>
+              <a:t>8/30/2017</a:t>
             </a:fld>
             <a:endParaRPr lang="en-US" dirty="0"/>
           </a:p>
@@ -2522,7 +2521,7 @@
     </p:spTree>
     <p:extLst>
       <p:ext uri="{BB962C8B-B14F-4D97-AF65-F5344CB8AC3E}">
-        <p14:creationId xmlns="" xmlns:p14="http://schemas.microsoft.com/office/powerpoint/2010/main" val="3328784466"/>
+        <p14:creationId xmlns:p14="http://schemas.microsoft.com/office/powerpoint/2010/main" xmlns="" val="3328784466"/>
       </p:ext>
     </p:extLst>
   </p:cSld>
@@ -2642,7 +2641,7 @@
             <a:fld id="{48A87A34-81AB-432B-8DAE-1953F412C126}" type="datetimeFigureOut">
               <a:rPr lang="en-US" smtClean="0"/>
               <a:pPr/>
-              <a:t>8/22/2017</a:t>
+              <a:t>8/30/2017</a:t>
             </a:fld>
             <a:endParaRPr lang="en-US" dirty="0"/>
           </a:p>
@@ -2694,7 +2693,7 @@
     </p:spTree>
     <p:extLst>
       <p:ext uri="{BB962C8B-B14F-4D97-AF65-F5344CB8AC3E}">
-        <p14:creationId xmlns="" xmlns:p14="http://schemas.microsoft.com/office/powerpoint/2010/main" val="1447070425"/>
+        <p14:creationId xmlns:p14="http://schemas.microsoft.com/office/powerpoint/2010/main" xmlns="" val="1447070425"/>
       </p:ext>
     </p:extLst>
   </p:cSld>
@@ -2824,7 +2823,7 @@
             <a:fld id="{48A87A34-81AB-432B-8DAE-1953F412C126}" type="datetimeFigureOut">
               <a:rPr lang="en-US" smtClean="0"/>
               <a:pPr/>
-              <a:t>8/22/2017</a:t>
+              <a:t>8/30/2017</a:t>
             </a:fld>
             <a:endParaRPr lang="en-US" dirty="0"/>
           </a:p>
@@ -2876,7 +2875,7 @@
     </p:spTree>
     <p:extLst>
       <p:ext uri="{BB962C8B-B14F-4D97-AF65-F5344CB8AC3E}">
-        <p14:creationId xmlns="" xmlns:p14="http://schemas.microsoft.com/office/powerpoint/2010/main" val="3648480235"/>
+        <p14:creationId xmlns:p14="http://schemas.microsoft.com/office/powerpoint/2010/main" xmlns="" val="3648480235"/>
       </p:ext>
     </p:extLst>
   </p:cSld>
@@ -3002,7 +3001,7 @@
             <a:fld id="{48A87A34-81AB-432B-8DAE-1953F412C126}" type="datetimeFigureOut">
               <a:rPr lang="en-US" smtClean="0"/>
               <a:pPr/>
-              <a:t>8/22/2017</a:t>
+              <a:t>8/30/2017</a:t>
             </a:fld>
             <a:endParaRPr lang="en-US" dirty="0"/>
           </a:p>
@@ -3054,7 +3053,7 @@
     </p:spTree>
     <p:extLst>
       <p:ext uri="{BB962C8B-B14F-4D97-AF65-F5344CB8AC3E}">
-        <p14:creationId xmlns="" xmlns:p14="http://schemas.microsoft.com/office/powerpoint/2010/main" val="2649633687"/>
+        <p14:creationId xmlns:p14="http://schemas.microsoft.com/office/powerpoint/2010/main" xmlns="" val="2649633687"/>
       </p:ext>
     </p:extLst>
   </p:cSld>
@@ -3251,7 +3250,7 @@
             <a:fld id="{48A87A34-81AB-432B-8DAE-1953F412C126}" type="datetimeFigureOut">
               <a:rPr lang="en-US" smtClean="0"/>
               <a:pPr/>
-              <a:t>8/22/2017</a:t>
+              <a:t>8/30/2017</a:t>
             </a:fld>
             <a:endParaRPr lang="en-US" dirty="0"/>
           </a:p>
@@ -3303,7 +3302,7 @@
     </p:spTree>
     <p:extLst>
       <p:ext uri="{BB962C8B-B14F-4D97-AF65-F5344CB8AC3E}">
-        <p14:creationId xmlns="" xmlns:p14="http://schemas.microsoft.com/office/powerpoint/2010/main" val="572893903"/>
+        <p14:creationId xmlns:p14="http://schemas.microsoft.com/office/powerpoint/2010/main" xmlns="" val="572893903"/>
       </p:ext>
     </p:extLst>
   </p:cSld>
@@ -3485,7 +3484,7 @@
             <a:fld id="{48A87A34-81AB-432B-8DAE-1953F412C126}" type="datetimeFigureOut">
               <a:rPr lang="en-US" smtClean="0"/>
               <a:pPr/>
-              <a:t>8/22/2017</a:t>
+              <a:t>8/30/2017</a:t>
             </a:fld>
             <a:endParaRPr lang="en-US" dirty="0"/>
           </a:p>
@@ -3537,7 +3536,7 @@
     </p:spTree>
     <p:extLst>
       <p:ext uri="{BB962C8B-B14F-4D97-AF65-F5344CB8AC3E}">
-        <p14:creationId xmlns="" xmlns:p14="http://schemas.microsoft.com/office/powerpoint/2010/main" val="3918475607"/>
+        <p14:creationId xmlns:p14="http://schemas.microsoft.com/office/powerpoint/2010/main" xmlns="" val="3918475607"/>
       </p:ext>
     </p:extLst>
   </p:cSld>
@@ -3861,7 +3860,7 @@
             <a:fld id="{48A87A34-81AB-432B-8DAE-1953F412C126}" type="datetimeFigureOut">
               <a:rPr lang="en-US" smtClean="0"/>
               <a:pPr/>
-              <a:t>8/22/2017</a:t>
+              <a:t>8/30/2017</a:t>
             </a:fld>
             <a:endParaRPr lang="en-US" dirty="0"/>
           </a:p>
@@ -3913,7 +3912,7 @@
     </p:spTree>
     <p:extLst>
       <p:ext uri="{BB962C8B-B14F-4D97-AF65-F5344CB8AC3E}">
-        <p14:creationId xmlns="" xmlns:p14="http://schemas.microsoft.com/office/powerpoint/2010/main" val="70569158"/>
+        <p14:creationId xmlns:p14="http://schemas.microsoft.com/office/powerpoint/2010/main" xmlns="" val="70569158"/>
       </p:ext>
     </p:extLst>
   </p:cSld>
@@ -3986,7 +3985,7 @@
             <a:fld id="{48A87A34-81AB-432B-8DAE-1953F412C126}" type="datetimeFigureOut">
               <a:rPr lang="en-US" smtClean="0"/>
               <a:pPr/>
-              <a:t>8/22/2017</a:t>
+              <a:t>8/30/2017</a:t>
             </a:fld>
             <a:endParaRPr lang="en-US" dirty="0"/>
           </a:p>
@@ -4038,7 +4037,7 @@
     </p:spTree>
     <p:extLst>
       <p:ext uri="{BB962C8B-B14F-4D97-AF65-F5344CB8AC3E}">
-        <p14:creationId xmlns="" xmlns:p14="http://schemas.microsoft.com/office/powerpoint/2010/main" val="3956773614"/>
+        <p14:creationId xmlns:p14="http://schemas.microsoft.com/office/powerpoint/2010/main" xmlns="" val="3956773614"/>
       </p:ext>
     </p:extLst>
   </p:cSld>
@@ -4083,7 +4082,7 @@
             <a:fld id="{48A87A34-81AB-432B-8DAE-1953F412C126}" type="datetimeFigureOut">
               <a:rPr lang="en-US" smtClean="0"/>
               <a:pPr/>
-              <a:t>8/22/2017</a:t>
+              <a:t>8/30/2017</a:t>
             </a:fld>
             <a:endParaRPr lang="en-US" dirty="0"/>
           </a:p>
@@ -4135,7 +4134,7 @@
     </p:spTree>
     <p:extLst>
       <p:ext uri="{BB962C8B-B14F-4D97-AF65-F5344CB8AC3E}">
-        <p14:creationId xmlns="" xmlns:p14="http://schemas.microsoft.com/office/powerpoint/2010/main" val="843387325"/>
+        <p14:creationId xmlns:p14="http://schemas.microsoft.com/office/powerpoint/2010/main" xmlns="" val="843387325"/>
       </p:ext>
     </p:extLst>
   </p:cSld>
@@ -4340,7 +4339,7 @@
             <a:fld id="{48A87A34-81AB-432B-8DAE-1953F412C126}" type="datetimeFigureOut">
               <a:rPr lang="en-US" smtClean="0"/>
               <a:pPr/>
-              <a:t>8/22/2017</a:t>
+              <a:t>8/30/2017</a:t>
             </a:fld>
             <a:endParaRPr lang="en-US" dirty="0"/>
           </a:p>
@@ -4392,7 +4391,7 @@
     </p:spTree>
     <p:extLst>
       <p:ext uri="{BB962C8B-B14F-4D97-AF65-F5344CB8AC3E}">
-        <p14:creationId xmlns="" xmlns:p14="http://schemas.microsoft.com/office/powerpoint/2010/main" val="614752468"/>
+        <p14:creationId xmlns:p14="http://schemas.microsoft.com/office/powerpoint/2010/main" xmlns="" val="614752468"/>
       </p:ext>
     </p:extLst>
   </p:cSld>
@@ -4605,7 +4604,7 @@
             <a:fld id="{48A87A34-81AB-432B-8DAE-1953F412C126}" type="datetimeFigureOut">
               <a:rPr lang="en-US" smtClean="0"/>
               <a:pPr/>
-              <a:t>8/22/2017</a:t>
+              <a:t>8/30/2017</a:t>
             </a:fld>
             <a:endParaRPr lang="en-US" dirty="0"/>
           </a:p>
@@ -4657,7 +4656,7 @@
     </p:spTree>
     <p:extLst>
       <p:ext uri="{BB962C8B-B14F-4D97-AF65-F5344CB8AC3E}">
-        <p14:creationId xmlns="" xmlns:p14="http://schemas.microsoft.com/office/powerpoint/2010/main" val="2525773852"/>
+        <p14:creationId xmlns:p14="http://schemas.microsoft.com/office/powerpoint/2010/main" xmlns="" val="2525773852"/>
       </p:ext>
     </p:extLst>
   </p:cSld>
@@ -5350,7 +5349,7 @@
             <a:fld id="{48A87A34-81AB-432B-8DAE-1953F412C126}" type="datetimeFigureOut">
               <a:rPr lang="en-US" smtClean="0"/>
               <a:pPr/>
-              <a:t>8/22/2017</a:t>
+              <a:t>8/30/2017</a:t>
             </a:fld>
             <a:endParaRPr lang="en-US" dirty="0"/>
           </a:p>
@@ -5436,7 +5435,7 @@
     </p:spTree>
     <p:extLst>
       <p:ext uri="{BB962C8B-B14F-4D97-AF65-F5344CB8AC3E}">
-        <p14:creationId xmlns="" xmlns:p14="http://schemas.microsoft.com/office/powerpoint/2010/main" val="2849168193"/>
+        <p14:creationId xmlns:p14="http://schemas.microsoft.com/office/powerpoint/2010/main" xmlns="" val="2849168193"/>
       </p:ext>
     </p:extLst>
   </p:cSld>
@@ -5922,7 +5921,7 @@
     </p:spTree>
     <p:extLst>
       <p:ext uri="{BB962C8B-B14F-4D97-AF65-F5344CB8AC3E}">
-        <p14:creationId xmlns="" xmlns:p14="http://schemas.microsoft.com/office/powerpoint/2010/main" val="1597654807"/>
+        <p14:creationId xmlns:p14="http://schemas.microsoft.com/office/powerpoint/2010/main" xmlns="" val="1597654807"/>
       </p:ext>
     </p:extLst>
   </p:cSld>
@@ -6019,50 +6018,58 @@
           <a:p>
             <a:r>
               <a:rPr lang="he-IL" sz="4000" dirty="0" smtClean="0"/>
-              <a:t> סוגי פקודות - כללי</a:t>
+              <a:t> משפחות הפקודות</a:t>
             </a:r>
           </a:p>
           <a:p>
             <a:pPr lvl="1"/>
             <a:r>
               <a:rPr lang="he-IL" sz="3800" dirty="0" smtClean="0"/>
-              <a:t> פקודות כובע להתחלת תהליכים</a:t>
-            </a:r>
-          </a:p>
-          <a:p>
-            <a:pPr lvl="2"/>
-            <a:r>
-              <a:rPr lang="he-IL" sz="3600" dirty="0" smtClean="0"/>
-              <a:t> אירוע – מתניע את התסריט</a:t>
+              <a:t> </a:t>
+            </a:r>
+            <a:r>
+              <a:rPr lang="he-IL" sz="3200" dirty="0" smtClean="0"/>
+              <a:t>צבע שונה לכל משפחה</a:t>
             </a:r>
           </a:p>
           <a:p>
             <a:pPr lvl="1"/>
             <a:r>
-              <a:rPr lang="he-IL" sz="3800" dirty="0" smtClean="0"/>
-              <a:t> פקודות תנאי לביצוע בדיקות</a:t>
-            </a:r>
-          </a:p>
-          <a:p>
-            <a:pPr lvl="2"/>
-            <a:r>
-              <a:rPr lang="he-IL" sz="3600" dirty="0" smtClean="0"/>
-              <a:t> תנאים – אם ואם לא</a:t>
+              <a:rPr lang="he-IL" sz="3200" dirty="0" smtClean="0"/>
+              <a:t> מכנה משותף לכל משפחה</a:t>
+            </a:r>
+          </a:p>
+          <a:p>
+            <a:r>
+              <a:rPr lang="he-IL" sz="4000" dirty="0" smtClean="0"/>
+              <a:t> מנגנון הפעלת פקודות</a:t>
             </a:r>
           </a:p>
           <a:p>
             <a:pPr lvl="1"/>
             <a:r>
-              <a:rPr lang="he-IL" sz="3800" dirty="0" smtClean="0"/>
-              <a:t> פקודות לביצוע פעולות</a:t>
-            </a:r>
+              <a:rPr lang="he-IL" sz="4200" dirty="0" smtClean="0"/>
+              <a:t> </a:t>
+            </a:r>
+            <a:r>
+              <a:rPr lang="he-IL" sz="3200" dirty="0" smtClean="0"/>
+              <a:t>לחיצה כפולה להפעלה חד-פעמית מיידית</a:t>
+            </a:r>
+          </a:p>
+          <a:p>
+            <a:pPr lvl="1"/>
+            <a:r>
+              <a:rPr lang="he-IL" sz="3200" dirty="0" smtClean="0"/>
+              <a:t> גרירה לשולחן העבודה לשם הרכבת תסריט</a:t>
+            </a:r>
+            <a:endParaRPr lang="he-IL" sz="3600" dirty="0" smtClean="0"/>
           </a:p>
         </p:txBody>
       </p:sp>
     </p:spTree>
     <p:extLst>
       <p:ext uri="{BB962C8B-B14F-4D97-AF65-F5344CB8AC3E}">
-        <p14:creationId xmlns="" xmlns:p14="http://schemas.microsoft.com/office/powerpoint/2010/main" val="999608912"/>
+        <p14:creationId xmlns:p14="http://schemas.microsoft.com/office/powerpoint/2010/main" xmlns="" val="999608912"/>
       </p:ext>
     </p:extLst>
   </p:cSld>
@@ -6159,65 +6166,50 @@
           <a:p>
             <a:r>
               <a:rPr lang="he-IL" sz="4000" dirty="0" smtClean="0"/>
-              <a:t> סוגי פקודות רובוט</a:t>
+              <a:t> סוגי פקודות - כללי</a:t>
             </a:r>
           </a:p>
           <a:p>
             <a:pPr lvl="1"/>
             <a:r>
               <a:rPr lang="he-IL" sz="3800" dirty="0" smtClean="0"/>
-              <a:t> </a:t>
-            </a:r>
+              <a:t> פקודות כובע להתחלת תהליכים</a:t>
+            </a:r>
+          </a:p>
+          <a:p>
+            <a:pPr lvl="2"/>
             <a:r>
               <a:rPr lang="he-IL" sz="3600" dirty="0" smtClean="0"/>
-              <a:t>פקודות כובע להתחלת תהליכים</a:t>
-            </a:r>
-            <a:endParaRPr lang="he-IL" sz="3800" dirty="0" smtClean="0"/>
+              <a:t> אירוע – מתניע את התסריט</a:t>
+            </a:r>
+          </a:p>
+          <a:p>
+            <a:pPr lvl="1"/>
+            <a:r>
+              <a:rPr lang="he-IL" sz="3800" dirty="0" smtClean="0"/>
+              <a:t> פקודות תנאי לביצוע בדיקות</a:t>
+            </a:r>
           </a:p>
           <a:p>
             <a:pPr lvl="2"/>
             <a:r>
               <a:rPr lang="he-IL" sz="3600" dirty="0" smtClean="0"/>
-              <a:t> </a:t>
-            </a:r>
-            <a:r>
-              <a:rPr lang="he-IL" sz="3200" dirty="0" smtClean="0"/>
-              <a:t>אירועים מבוססים חיישנים</a:t>
-            </a:r>
-            <a:endParaRPr lang="he-IL" sz="3600" dirty="0" smtClean="0"/>
+              <a:t> תנאים – אם ואם לא</a:t>
+            </a:r>
           </a:p>
           <a:p>
             <a:pPr lvl="1"/>
             <a:r>
-              <a:rPr lang="he-IL" sz="3600" dirty="0" smtClean="0"/>
-              <a:t> פקודות תנאי</a:t>
-            </a:r>
-          </a:p>
-          <a:p>
-            <a:pPr lvl="2"/>
-            <a:r>
-              <a:rPr lang="he-IL" sz="3200" dirty="0" smtClean="0"/>
-              <a:t>שילוב פקודות קריאת ערכי חיישנים</a:t>
-            </a:r>
-          </a:p>
-          <a:p>
-            <a:pPr lvl="1"/>
-            <a:r>
-              <a:rPr lang="he-IL" sz="4000" dirty="0" smtClean="0"/>
-              <a:t> </a:t>
-            </a:r>
-            <a:r>
-              <a:rPr lang="he-IL" sz="3600" dirty="0" smtClean="0"/>
-              <a:t>פקודות עבודה להפעלת אמצעי פלט</a:t>
-            </a:r>
-            <a:endParaRPr lang="he-IL" sz="4000" dirty="0" smtClean="0"/>
+              <a:rPr lang="he-IL" sz="3800" dirty="0" smtClean="0"/>
+              <a:t> פקודות לביצוע פעולות</a:t>
+            </a:r>
           </a:p>
         </p:txBody>
       </p:sp>
     </p:spTree>
     <p:extLst>
       <p:ext uri="{BB962C8B-B14F-4D97-AF65-F5344CB8AC3E}">
-        <p14:creationId xmlns="" xmlns:p14="http://schemas.microsoft.com/office/powerpoint/2010/main" val="999608912"/>
+        <p14:creationId xmlns:p14="http://schemas.microsoft.com/office/powerpoint/2010/main" xmlns="" val="999608912"/>
       </p:ext>
     </p:extLst>
   </p:cSld>
@@ -6261,161 +6253,6 @@
             <p:ph type="title"/>
           </p:nvPr>
         </p:nvSpPr>
-        <p:spPr>
-          <a:xfrm>
-            <a:off x="677334" y="609600"/>
-            <a:ext cx="8596668" cy="773151"/>
-          </a:xfrm>
-        </p:spPr>
-        <p:txBody>
-          <a:bodyPr>
-            <a:normAutofit/>
-          </a:bodyPr>
-          <a:lstStyle/>
-          <a:p>
-            <a:pPr algn="r"/>
-            <a:r>
-              <a:rPr lang="he-IL" sz="4400" b="1" dirty="0" smtClean="0"/>
-              <a:t>תכנות הרובוט - הפעלת מנועים</a:t>
-            </a:r>
-            <a:endParaRPr lang="he-IL" sz="4400" b="1" dirty="0"/>
-          </a:p>
-        </p:txBody>
-      </p:sp>
-      <p:sp>
-        <p:nvSpPr>
-          <p:cNvPr id="3" name="מציין מיקום תוכן 2"/>
-          <p:cNvSpPr>
-            <a:spLocks noGrp="1"/>
-          </p:cNvSpPr>
-          <p:nvPr>
-            <p:ph idx="1"/>
-          </p:nvPr>
-        </p:nvSpPr>
-        <p:spPr>
-          <a:xfrm>
-            <a:off x="0" y="1494262"/>
-            <a:ext cx="9274002" cy="5847063"/>
-          </a:xfrm>
-        </p:spPr>
-        <p:txBody>
-          <a:bodyPr>
-            <a:noAutofit/>
-          </a:bodyPr>
-          <a:lstStyle/>
-          <a:p>
-            <a:r>
-              <a:rPr lang="he-IL" sz="4000" dirty="0" smtClean="0"/>
-              <a:t> פקודות הפעלת מנוע</a:t>
-            </a:r>
-          </a:p>
-          <a:p>
-            <a:pPr lvl="1"/>
-            <a:r>
-              <a:rPr lang="he-IL" sz="3600" dirty="0" smtClean="0"/>
-              <a:t> </a:t>
-            </a:r>
-            <a:r>
-              <a:rPr lang="he-IL" sz="3200" dirty="0" smtClean="0"/>
-              <a:t>לקביעת מהירות וכיוון סיבוב המנוע</a:t>
-            </a:r>
-          </a:p>
-          <a:p>
-            <a:pPr lvl="1"/>
-            <a:r>
-              <a:rPr lang="he-IL" sz="3200" dirty="0" smtClean="0"/>
-              <a:t> מהו פרמטר – קביעת ערך בתוך הפקודה</a:t>
-            </a:r>
-          </a:p>
-          <a:p>
-            <a:pPr lvl="1"/>
-            <a:r>
-              <a:rPr lang="he-IL" sz="3200" dirty="0" smtClean="0"/>
-              <a:t> מהירות 0 = עצירת המנוע</a:t>
-            </a:r>
-          </a:p>
-          <a:p>
-            <a:r>
-              <a:rPr lang="he-IL" sz="4200" dirty="0" smtClean="0"/>
-              <a:t> </a:t>
-            </a:r>
-            <a:r>
-              <a:rPr lang="he-IL" sz="4000" dirty="0" smtClean="0"/>
-              <a:t>בניית תסריט להפעלת שני המנועים ועצירתם לאחר שניה</a:t>
-            </a:r>
-            <a:endParaRPr lang="he-IL" sz="4200" dirty="0" smtClean="0"/>
-          </a:p>
-          <a:p>
-            <a:pPr lvl="1"/>
-            <a:r>
-              <a:rPr lang="he-IL" sz="3200" dirty="0" smtClean="0"/>
-              <a:t> פקודת כובע הדגל הירוק (אירועים)</a:t>
-            </a:r>
-          </a:p>
-          <a:p>
-            <a:pPr lvl="1"/>
-            <a:r>
-              <a:rPr lang="he-IL" sz="3200" dirty="0" smtClean="0"/>
-              <a:t>פקודת חכה </a:t>
-            </a:r>
-            <a:r>
-              <a:rPr lang="en-US" sz="3200" dirty="0" smtClean="0"/>
-              <a:t>X</a:t>
-            </a:r>
-            <a:r>
-              <a:rPr lang="he-IL" sz="3200" dirty="0" smtClean="0"/>
-              <a:t> שניות (בקרה)</a:t>
-            </a:r>
-          </a:p>
-        </p:txBody>
-      </p:sp>
-    </p:spTree>
-    <p:extLst>
-      <p:ext uri="{BB962C8B-B14F-4D97-AF65-F5344CB8AC3E}">
-        <p14:creationId xmlns="" xmlns:p14="http://schemas.microsoft.com/office/powerpoint/2010/main" val="999608912"/>
-      </p:ext>
-    </p:extLst>
-  </p:cSld>
-  <p:clrMapOvr>
-    <a:masterClrMapping/>
-  </p:clrMapOvr>
-  <p:timing>
-    <p:tnLst>
-      <p:par>
-        <p:cTn id="1" dur="indefinite" restart="never" nodeType="tmRoot"/>
-      </p:par>
-    </p:tnLst>
-  </p:timing>
-</p:sld>
-</file>
-
-<file path=ppt/slides/slide13.xml><?xml version="1.0" encoding="utf-8"?>
-<p:sld xmlns:a="http://schemas.openxmlformats.org/drawingml/2006/main" xmlns:r="http://schemas.openxmlformats.org/officeDocument/2006/relationships" xmlns:p="http://schemas.openxmlformats.org/presentationml/2006/main">
-  <p:cSld>
-    <p:spTree>
-      <p:nvGrpSpPr>
-        <p:cNvPr id="1" name=""/>
-        <p:cNvGrpSpPr/>
-        <p:nvPr/>
-      </p:nvGrpSpPr>
-      <p:grpSpPr>
-        <a:xfrm>
-          <a:off x="0" y="0"/>
-          <a:ext cx="0" cy="0"/>
-          <a:chOff x="0" y="0"/>
-          <a:chExt cx="0" cy="0"/>
-        </a:xfrm>
-      </p:grpSpPr>
-      <p:sp>
-        <p:nvSpPr>
-          <p:cNvPr id="2" name="כותרת 1"/>
-          <p:cNvSpPr>
-            <a:spLocks noGrp="1"/>
-          </p:cNvSpPr>
-          <p:nvPr>
-            <p:ph type="title"/>
-          </p:nvPr>
-        </p:nvSpPr>
         <p:spPr/>
         <p:txBody>
           <a:bodyPr>
@@ -6450,7 +6287,7 @@
         </p:spPr>
         <p:txBody>
           <a:bodyPr>
-            <a:normAutofit fontScale="85000" lnSpcReduction="20000"/>
+            <a:normAutofit/>
           </a:bodyPr>
           <a:lstStyle/>
           <a:p>
@@ -6468,35 +6305,22 @@
             <a:pPr marL="609600" indent="-609600"/>
             <a:r>
               <a:rPr lang="he-IL" sz="4800" dirty="0" smtClean="0"/>
-              <a:t>סגירת הרובוט ופירוק הבטריה </a:t>
+              <a:t>סידור </a:t>
+            </a:r>
+            <a:r>
+              <a:rPr lang="he-IL" sz="4800" dirty="0" smtClean="0"/>
+              <a:t>ציוד ועמדת העבודה</a:t>
             </a:r>
           </a:p>
           <a:p>
             <a:pPr marL="609600" indent="-609600"/>
             <a:r>
+              <a:rPr lang="he-IL" sz="4800" smtClean="0"/>
+              <a:t>סוגרים </a:t>
+            </a:r>
+            <a:r>
               <a:rPr lang="he-IL" sz="4800" dirty="0" smtClean="0"/>
-              <a:t>סידור ציוד ועמדת העבודה</a:t>
-            </a:r>
-          </a:p>
-          <a:p>
-            <a:pPr marL="609600" indent="-609600"/>
-            <a:r>
-              <a:rPr lang="he-IL" sz="4800" dirty="0" smtClean="0"/>
-              <a:t>מחזירים את הרובוט למקום</a:t>
-            </a:r>
-          </a:p>
-          <a:p>
-            <a:pPr marL="609600" indent="-609600"/>
-            <a:r>
-              <a:rPr lang="he-IL" sz="4800" dirty="0" smtClean="0"/>
-              <a:t>שמים את הבטריה בטעינה</a:t>
-            </a:r>
-          </a:p>
-          <a:p>
-            <a:pPr marL="609600" indent="-609600"/>
-            <a:r>
-              <a:rPr lang="he-IL" sz="4800" dirty="0" smtClean="0"/>
-              <a:t>סוגרים את החלונות במחשב</a:t>
+              <a:t>את החלונות במחשב</a:t>
             </a:r>
           </a:p>
         </p:txBody>
@@ -6504,7 +6328,7 @@
     </p:spTree>
     <p:extLst>
       <p:ext uri="{BB962C8B-B14F-4D97-AF65-F5344CB8AC3E}">
-        <p14:creationId xmlns:p14="http://schemas.microsoft.com/office/powerpoint/2010/main" xmlns="" val="2508929371"/>
+        <p14:creationId xmlns="" xmlns:p14="http://schemas.microsoft.com/office/powerpoint/2010/main" val="2508929371"/>
       </p:ext>
     </p:extLst>
   </p:cSld>
@@ -6637,7 +6461,7 @@
     </p:spTree>
     <p:extLst>
       <p:ext uri="{BB962C8B-B14F-4D97-AF65-F5344CB8AC3E}">
-        <p14:creationId xmlns="" xmlns:p14="http://schemas.microsoft.com/office/powerpoint/2010/main" val="2508929371"/>
+        <p14:creationId xmlns:p14="http://schemas.microsoft.com/office/powerpoint/2010/main" xmlns="" val="2508929371"/>
       </p:ext>
     </p:extLst>
   </p:cSld>
@@ -6747,7 +6571,7 @@
     </p:spTree>
     <p:extLst>
       <p:ext uri="{BB962C8B-B14F-4D97-AF65-F5344CB8AC3E}">
-        <p14:creationId xmlns="" xmlns:p14="http://schemas.microsoft.com/office/powerpoint/2010/main" val="2508929371"/>
+        <p14:creationId xmlns:p14="http://schemas.microsoft.com/office/powerpoint/2010/main" xmlns="" val="2508929371"/>
       </p:ext>
     </p:extLst>
   </p:cSld>
@@ -6791,12 +6615,7 @@
             <p:ph type="title"/>
           </p:nvPr>
         </p:nvSpPr>
-        <p:spPr>
-          <a:xfrm>
-            <a:off x="677334" y="609600"/>
-            <a:ext cx="8596668" cy="773151"/>
-          </a:xfrm>
-        </p:spPr>
+        <p:spPr/>
         <p:txBody>
           <a:bodyPr>
             <a:normAutofit/>
@@ -6806,7 +6625,7 @@
             <a:pPr algn="r"/>
             <a:r>
               <a:rPr lang="he-IL" sz="4400" b="1" dirty="0" smtClean="0"/>
-              <a:t>חיבור הרובוט למחשב</a:t>
+              <a:t>תרגיל – המורה הוא רובוט!</a:t>
             </a:r>
             <a:endParaRPr lang="he-IL" sz="4400" b="1" dirty="0"/>
           </a:p>
@@ -6814,7 +6633,7 @@
       </p:sp>
       <p:sp>
         <p:nvSpPr>
-          <p:cNvPr id="3" name="מציין מיקום תוכן 2"/>
+          <p:cNvPr id="5" name="מציין מיקום תוכן 2"/>
           <p:cNvSpPr>
             <a:spLocks noGrp="1"/>
           </p:cNvSpPr>
@@ -6824,8 +6643,8 @@
         </p:nvSpPr>
         <p:spPr>
           <a:xfrm>
-            <a:off x="677334" y="1494263"/>
-            <a:ext cx="8596668" cy="5062654"/>
+            <a:off x="677334" y="1536133"/>
+            <a:ext cx="8596668" cy="3880773"/>
           </a:xfrm>
         </p:spPr>
         <p:txBody>
@@ -6835,63 +6654,58 @@
           <a:lstStyle/>
           <a:p>
             <a:r>
-              <a:rPr lang="he-IL" sz="4000" dirty="0" smtClean="0"/>
-              <a:t> הדלקת הבקר </a:t>
-            </a:r>
-          </a:p>
-          <a:p>
-            <a:r>
-              <a:rPr lang="he-IL" sz="4000" dirty="0" smtClean="0"/>
-              <a:t> חיבור פיזי באמצעות כבל </a:t>
-            </a:r>
-            <a:r>
-              <a:rPr lang="en-US" sz="4000" dirty="0" smtClean="0"/>
-              <a:t>USB </a:t>
-            </a:r>
-            <a:endParaRPr lang="he-IL" sz="4000" dirty="0" smtClean="0"/>
-          </a:p>
-          <a:p>
-            <a:r>
-              <a:rPr lang="he-IL" sz="4000" dirty="0" smtClean="0"/>
-              <a:t> הרצת "תוכנת הגישור" </a:t>
-            </a:r>
-            <a:r>
-              <a:rPr lang="en-US" sz="4000" dirty="0" err="1" smtClean="0"/>
-              <a:t>FTScratchTXT</a:t>
-            </a:r>
-            <a:r>
-              <a:rPr lang="he-IL" sz="4000" dirty="0" smtClean="0"/>
-              <a:t> ובחירה שתקשורת </a:t>
-            </a:r>
-            <a:r>
-              <a:rPr lang="en-US" sz="4000" dirty="0" smtClean="0"/>
-              <a:t>USB</a:t>
-            </a:r>
-            <a:r>
-              <a:rPr lang="he-IL" sz="4000" dirty="0" smtClean="0"/>
-              <a:t> עם הרובוט</a:t>
-            </a:r>
-            <a:endParaRPr lang="en-US" sz="4000" dirty="0" smtClean="0"/>
-          </a:p>
-          <a:p>
-            <a:r>
-              <a:rPr lang="he-IL" sz="4000" dirty="0" smtClean="0"/>
-              <a:t> כניסה לסביבת הפיתוח בדפדפן הכוללת את ההרחבה של פישר טקניק</a:t>
-            </a:r>
-          </a:p>
-          <a:p>
-            <a:r>
-              <a:rPr lang="he-IL" sz="4000" dirty="0" smtClean="0"/>
-              <a:t> בדיקה שהחיבור תקין: נקודת החיווי בצבע ירוק</a:t>
-            </a:r>
-            <a:endParaRPr lang="he-IL" sz="4000" dirty="0"/>
+              <a:rPr lang="he-IL" sz="3600" dirty="0" smtClean="0"/>
+              <a:t>המורה הוא רובוט!</a:t>
+            </a:r>
+          </a:p>
+          <a:p>
+            <a:pPr lvl="1"/>
+            <a:r>
+              <a:rPr lang="he-IL" sz="3200" dirty="0" smtClean="0"/>
+              <a:t>יש לתת לרובוט משימה לביצוע.</a:t>
+            </a:r>
+          </a:p>
+          <a:p>
+            <a:pPr lvl="1"/>
+            <a:r>
+              <a:rPr lang="he-IL" sz="3200" dirty="0" smtClean="0"/>
+              <a:t>דוגמא: כתוב שם של תלמיד על הלוח </a:t>
+            </a:r>
+          </a:p>
+          <a:p>
+            <a:pPr lvl="1"/>
+            <a:r>
+              <a:rPr lang="he-IL" sz="3200" dirty="0" smtClean="0"/>
+              <a:t>דוגמא: כתוב שמות של 3 תלמידים על הלוח</a:t>
+            </a:r>
+          </a:p>
+          <a:p>
+            <a:pPr lvl="1"/>
+            <a:r>
+              <a:rPr lang="he-IL" sz="3200" dirty="0" smtClean="0"/>
+              <a:t>דוגמא: שחק איתי "זוג או פרט"</a:t>
+            </a:r>
+            <a:endParaRPr lang="he-IL" sz="3600" dirty="0" smtClean="0"/>
+          </a:p>
+          <a:p>
+            <a:r>
+              <a:rPr lang="he-IL" sz="3600" dirty="0" smtClean="0"/>
+              <a:t>התלמיד הוא רובוט! </a:t>
+            </a:r>
+          </a:p>
+          <a:p>
+            <a:pPr lvl="1"/>
+            <a:r>
+              <a:rPr lang="he-IL" sz="3200" dirty="0" smtClean="0"/>
+              <a:t>מי מתנדב להיות המתכנת שלו?</a:t>
+            </a:r>
           </a:p>
         </p:txBody>
       </p:sp>
     </p:spTree>
     <p:extLst>
       <p:ext uri="{BB962C8B-B14F-4D97-AF65-F5344CB8AC3E}">
-        <p14:creationId xmlns="" xmlns:p14="http://schemas.microsoft.com/office/powerpoint/2010/main" val="999608912"/>
+        <p14:creationId xmlns:p14="http://schemas.microsoft.com/office/powerpoint/2010/main" xmlns="" val="2508929371"/>
       </p:ext>
     </p:extLst>
   </p:cSld>
@@ -6935,12 +6749,7 @@
             <p:ph type="title"/>
           </p:nvPr>
         </p:nvSpPr>
-        <p:spPr>
-          <a:xfrm>
-            <a:off x="677334" y="609600"/>
-            <a:ext cx="8596668" cy="773151"/>
-          </a:xfrm>
-        </p:spPr>
+        <p:spPr/>
         <p:txBody>
           <a:bodyPr>
             <a:normAutofit/>
@@ -6950,15 +6759,7 @@
             <a:pPr algn="r"/>
             <a:r>
               <a:rPr lang="he-IL" sz="4400" b="1" dirty="0" smtClean="0"/>
-              <a:t>סביבת הפיתוח </a:t>
-            </a:r>
-            <a:r>
-              <a:rPr lang="en-US" sz="4400" b="1" dirty="0" smtClean="0"/>
-              <a:t>ScratchX</a:t>
-            </a:r>
-            <a:r>
-              <a:rPr lang="he-IL" sz="4400" b="1" dirty="0" smtClean="0"/>
-              <a:t> - מושגים</a:t>
+              <a:t>סיכום תרגיל</a:t>
             </a:r>
             <a:endParaRPr lang="he-IL" sz="4400" b="1" dirty="0"/>
           </a:p>
@@ -6966,7 +6767,7 @@
       </p:sp>
       <p:sp>
         <p:nvSpPr>
-          <p:cNvPr id="3" name="מציין מיקום תוכן 2"/>
+          <p:cNvPr id="5" name="מציין מיקום תוכן 2"/>
           <p:cNvSpPr>
             <a:spLocks noGrp="1"/>
           </p:cNvSpPr>
@@ -6976,8 +6777,8 @@
         </p:nvSpPr>
         <p:spPr>
           <a:xfrm>
-            <a:off x="0" y="1494263"/>
-            <a:ext cx="9274002" cy="5062654"/>
+            <a:off x="677334" y="1536133"/>
+            <a:ext cx="8596668" cy="3880773"/>
           </a:xfrm>
         </p:spPr>
         <p:txBody>
@@ -6986,44 +6787,43 @@
           </a:bodyPr>
           <a:lstStyle/>
           <a:p>
-            <a:r>
-              <a:rPr lang="he-IL" sz="4000" dirty="0" smtClean="0"/>
-              <a:t>אלגוריתם -  דרך שיטתית לביצוע משימה מסוימת במספר סופי של צעדים.</a:t>
-            </a:r>
-          </a:p>
-          <a:p>
-            <a:r>
-              <a:rPr lang="he-IL" sz="4000" dirty="0" smtClean="0"/>
-              <a:t>שפת תכנות – שפה לכתיבת תכניות מחשב. </a:t>
-            </a:r>
-          </a:p>
-          <a:p>
-            <a:r>
-              <a:rPr lang="he-IL" sz="4000" dirty="0" smtClean="0"/>
-              <a:t>תכנית מחשב - רצף הוראות בשפת תכנות שנועדו לביצוע משימה (מימוש אלגוריתם).</a:t>
-            </a:r>
-          </a:p>
-          <a:p>
-            <a:r>
-              <a:rPr lang="he-IL" sz="4000" dirty="0" smtClean="0"/>
-              <a:t>תסריט - מילה נרדפת לתכנית מחשב  בשפת התכנות סקרטץ׳ (</a:t>
-            </a:r>
-            <a:r>
-              <a:rPr lang="en-US" sz="4000" dirty="0" smtClean="0"/>
-              <a:t>Scratch</a:t>
-            </a:r>
-            <a:r>
-              <a:rPr lang="he-IL" sz="4000" dirty="0" smtClean="0"/>
-              <a:t>).</a:t>
-            </a:r>
-            <a:endParaRPr lang="he-IL" sz="4000" dirty="0"/>
+            <a:pPr marL="609600" indent="-609600"/>
+            <a:r>
+              <a:rPr lang="he-IL" sz="2800" dirty="0" smtClean="0"/>
+              <a:t>הרובוט לא יכול לנחש למה התכוונו או מה רצינו אלא רק מבצע את ההוראות שניתנו לו בצורה מדוייקת ללא פרשנות.</a:t>
+            </a:r>
+          </a:p>
+          <a:p>
+            <a:pPr marL="609600" indent="-609600"/>
+            <a:r>
+              <a:rPr lang="he-IL" sz="2800" dirty="0" smtClean="0"/>
+              <a:t>בכדי שהרובוט יבצע את מה שמורים לו, הפקודות צריכות להיות כאלו שהוא "מבין" – כלומר, יודע לבצע</a:t>
+            </a:r>
+          </a:p>
+          <a:p>
+            <a:pPr marL="609600" indent="-609600"/>
+            <a:r>
+              <a:rPr lang="he-IL" sz="2800" dirty="0" smtClean="0"/>
+              <a:t>אם רוצים שרובוט יבצע משימה מורכבת שאותה הוא לא יודע לבצע, צריך לפרק אותה לתתי משימות שאותן הוא כן יודע לבצע.</a:t>
+            </a:r>
+          </a:p>
+          <a:p>
+            <a:pPr marL="609600" indent="-609600"/>
+            <a:r>
+              <a:rPr lang="he-IL" sz="2800" dirty="0" smtClean="0"/>
+              <a:t>רובוטים יכולים לבצע משימות מאוד מורכבות, ולפעמים הם יכולים לבצע תפקידים של בני אדם</a:t>
+            </a:r>
+          </a:p>
+          <a:p>
+            <a:pPr marL="609600" indent="-609600"/>
+            <a:endParaRPr lang="he-IL" sz="2800" dirty="0" smtClean="0"/>
           </a:p>
         </p:txBody>
       </p:sp>
     </p:spTree>
     <p:extLst>
       <p:ext uri="{BB962C8B-B14F-4D97-AF65-F5344CB8AC3E}">
-        <p14:creationId xmlns="" xmlns:p14="http://schemas.microsoft.com/office/powerpoint/2010/main" val="999608912"/>
+        <p14:creationId xmlns:p14="http://schemas.microsoft.com/office/powerpoint/2010/main" xmlns="" val="2508929371"/>
       </p:ext>
     </p:extLst>
   </p:cSld>
@@ -7088,37 +6888,74 @@
               <a:rPr lang="en-US" sz="4400" b="1" dirty="0" smtClean="0"/>
               <a:t>ScratchX</a:t>
             </a:r>
+            <a:r>
+              <a:rPr lang="he-IL" sz="4400" b="1" dirty="0" smtClean="0"/>
+              <a:t> - מושגים</a:t>
+            </a:r>
             <a:endParaRPr lang="he-IL" sz="4400" b="1" dirty="0"/>
           </a:p>
         </p:txBody>
       </p:sp>
-      <p:pic>
-        <p:nvPicPr>
-          <p:cNvPr id="4" name="Content Placeholder 3" descr="Scratchx איזורים.png"/>
-          <p:cNvPicPr>
-            <a:picLocks noGrp="1" noChangeAspect="1"/>
-          </p:cNvPicPr>
+      <p:sp>
+        <p:nvSpPr>
+          <p:cNvPr id="3" name="מציין מיקום תוכן 2"/>
+          <p:cNvSpPr>
+            <a:spLocks noGrp="1"/>
+          </p:cNvSpPr>
           <p:nvPr>
             <p:ph idx="1"/>
           </p:nvPr>
-        </p:nvPicPr>
-        <p:blipFill>
-          <a:blip r:embed="rId2"/>
-          <a:stretch>
-            <a:fillRect/>
-          </a:stretch>
-        </p:blipFill>
+        </p:nvSpPr>
         <p:spPr>
           <a:xfrm>
-            <a:off x="379143" y="1583473"/>
-            <a:ext cx="11017552" cy="4947808"/>
+            <a:off x="0" y="1494263"/>
+            <a:ext cx="9274002" cy="5062654"/>
           </a:xfrm>
         </p:spPr>
-      </p:pic>
+        <p:txBody>
+          <a:bodyPr>
+            <a:noAutofit/>
+          </a:bodyPr>
+          <a:lstStyle/>
+          <a:p>
+            <a:r>
+              <a:rPr lang="he-IL" sz="4000" dirty="0" smtClean="0"/>
+              <a:t>אלגוריתם -  דרך שיטתית לביצוע משימה מסוימת במספר סופי של צעדים.</a:t>
+            </a:r>
+          </a:p>
+          <a:p>
+            <a:r>
+              <a:rPr lang="he-IL" sz="4000" dirty="0" smtClean="0"/>
+              <a:t>שפת תכנות – שפה לכתיבת תכניות מחשב. </a:t>
+            </a:r>
+          </a:p>
+          <a:p>
+            <a:r>
+              <a:rPr lang="he-IL" sz="4000" dirty="0" smtClean="0"/>
+              <a:t>תכנית מחשב - רצף הוראות בשפת תכנות שנועדו לביצוע משימה (מימוש אלגוריתם).</a:t>
+            </a:r>
+          </a:p>
+          <a:p>
+            <a:r>
+              <a:rPr lang="he-IL" sz="4000" dirty="0" smtClean="0"/>
+              <a:t>תסריט - מילה נרדפת לתכנית מחשב  בשפת התכנות סקרטץ׳ (</a:t>
+            </a:r>
+            <a:r>
+              <a:rPr lang="en-US" sz="4000" dirty="0" smtClean="0"/>
+              <a:t>Scratch</a:t>
+            </a:r>
+            <a:r>
+              <a:rPr lang="he-IL" sz="4000" dirty="0" smtClean="0"/>
+              <a:t>).</a:t>
+            </a:r>
+            <a:endParaRPr lang="he-IL" sz="4000" dirty="0"/>
+          </a:p>
+        </p:txBody>
+      </p:sp>
     </p:spTree>
     <p:extLst>
       <p:ext uri="{BB962C8B-B14F-4D97-AF65-F5344CB8AC3E}">
-        <p14:creationId xmlns="" xmlns:p14="http://schemas.microsoft.com/office/powerpoint/2010/main" val="999608912"/>
+        <p14:creationId xmlns:p14="http://schemas.microsoft.com/office/powerpoint/2010/main" xmlns="" val="999608912"/>
       </p:ext>
     </p:extLst>
   </p:cSld>
@@ -7206,14 +7043,14 @@
         <p:spPr>
           <a:xfrm>
             <a:off x="379143" y="1583473"/>
-            <a:ext cx="11017552" cy="4947809"/>
+            <a:ext cx="11017552" cy="4947808"/>
           </a:xfrm>
         </p:spPr>
       </p:pic>
     </p:spTree>
     <p:extLst>
       <p:ext uri="{BB962C8B-B14F-4D97-AF65-F5344CB8AC3E}">
-        <p14:creationId xmlns="" xmlns:p14="http://schemas.microsoft.com/office/powerpoint/2010/main" val="999608912"/>
+        <p14:creationId xmlns:p14="http://schemas.microsoft.com/office/powerpoint/2010/main" xmlns="" val="999608912"/>
       </p:ext>
     </p:extLst>
   </p:cSld>
@@ -7301,14 +7138,14 @@
         <p:spPr>
           <a:xfrm>
             <a:off x="379143" y="1583473"/>
-            <a:ext cx="11017551" cy="4947809"/>
+            <a:ext cx="11017552" cy="4947809"/>
           </a:xfrm>
         </p:spPr>
       </p:pic>
     </p:spTree>
     <p:extLst>
       <p:ext uri="{BB962C8B-B14F-4D97-AF65-F5344CB8AC3E}">
-        <p14:creationId xmlns="" xmlns:p14="http://schemas.microsoft.com/office/powerpoint/2010/main" val="999608912"/>
+        <p14:creationId xmlns:p14="http://schemas.microsoft.com/office/powerpoint/2010/main" xmlns="" val="999608912"/>
       </p:ext>
     </p:extLst>
   </p:cSld>
@@ -7373,90 +7210,37 @@
               <a:rPr lang="en-US" sz="4400" b="1" dirty="0" smtClean="0"/>
               <a:t>ScratchX</a:t>
             </a:r>
-            <a:r>
-              <a:rPr lang="he-IL" sz="4400" b="1" dirty="0" smtClean="0"/>
-              <a:t> - פקודות</a:t>
-            </a:r>
             <a:endParaRPr lang="he-IL" sz="4400" b="1" dirty="0"/>
           </a:p>
         </p:txBody>
       </p:sp>
-      <p:sp>
-        <p:nvSpPr>
-          <p:cNvPr id="3" name="מציין מיקום תוכן 2"/>
-          <p:cNvSpPr>
-            <a:spLocks noGrp="1"/>
-          </p:cNvSpPr>
+      <p:pic>
+        <p:nvPicPr>
+          <p:cNvPr id="4" name="Content Placeholder 3" descr="Scratchx איזורים.png"/>
+          <p:cNvPicPr>
+            <a:picLocks noGrp="1" noChangeAspect="1"/>
+          </p:cNvPicPr>
           <p:nvPr>
             <p:ph idx="1"/>
           </p:nvPr>
-        </p:nvSpPr>
+        </p:nvPicPr>
+        <p:blipFill>
+          <a:blip r:embed="rId2"/>
+          <a:stretch>
+            <a:fillRect/>
+          </a:stretch>
+        </p:blipFill>
         <p:spPr>
           <a:xfrm>
-            <a:off x="0" y="1494263"/>
-            <a:ext cx="9274002" cy="5062654"/>
+            <a:off x="379143" y="1583473"/>
+            <a:ext cx="11017551" cy="4947809"/>
           </a:xfrm>
         </p:spPr>
-        <p:txBody>
-          <a:bodyPr>
-            <a:noAutofit/>
-          </a:bodyPr>
-          <a:lstStyle/>
-          <a:p>
-            <a:r>
-              <a:rPr lang="he-IL" sz="4000" dirty="0" smtClean="0"/>
-              <a:t> משפחות הפקודות</a:t>
-            </a:r>
-          </a:p>
-          <a:p>
-            <a:pPr lvl="1"/>
-            <a:r>
-              <a:rPr lang="he-IL" sz="3800" dirty="0" smtClean="0"/>
-              <a:t> </a:t>
-            </a:r>
-            <a:r>
-              <a:rPr lang="he-IL" sz="3200" dirty="0" smtClean="0"/>
-              <a:t>צבע שונה לכל משפחה</a:t>
-            </a:r>
-          </a:p>
-          <a:p>
-            <a:pPr lvl="1"/>
-            <a:r>
-              <a:rPr lang="he-IL" sz="3200" dirty="0" smtClean="0"/>
-              <a:t> מכנה משותף לכל משפחה</a:t>
-            </a:r>
-          </a:p>
-          <a:p>
-            <a:r>
-              <a:rPr lang="he-IL" sz="4000" dirty="0" smtClean="0"/>
-              <a:t> מנגנון הפעלת פקודות</a:t>
-            </a:r>
-          </a:p>
-          <a:p>
-            <a:pPr lvl="1"/>
-            <a:r>
-              <a:rPr lang="he-IL" sz="4200" dirty="0" smtClean="0"/>
-              <a:t> </a:t>
-            </a:r>
-            <a:r>
-              <a:rPr lang="he-IL" sz="3200" dirty="0" smtClean="0"/>
-              <a:t>לחיצה כפולה להפעלה חד-פעמית מיידית</a:t>
-            </a:r>
-          </a:p>
-          <a:p>
-            <a:pPr lvl="1"/>
-            <a:r>
-              <a:rPr lang="he-IL" sz="3200" dirty="0" smtClean="0"/>
-              <a:t> גרירה לשולחן העבודה לשם הרכבת תסריט</a:t>
-            </a:r>
-            <a:endParaRPr lang="he-IL" sz="3600" dirty="0" smtClean="0"/>
-          </a:p>
-        </p:txBody>
-      </p:sp>
+      </p:pic>
     </p:spTree>
     <p:extLst>
       <p:ext uri="{BB962C8B-B14F-4D97-AF65-F5344CB8AC3E}">
-        <p14:creationId xmlns="" xmlns:p14="http://schemas.microsoft.com/office/powerpoint/2010/main" val="999608912"/>
+        <p14:creationId xmlns:p14="http://schemas.microsoft.com/office/powerpoint/2010/main" xmlns="" val="999608912"/>
       </p:ext>
     </p:extLst>
   </p:cSld>
@@ -7724,7 +7508,7 @@
   <a:extraClrSchemeLst/>
   <a:extLst>
     <a:ext uri="{05A4C25C-085E-4340-85A3-A5531E510DB2}">
-      <thm15:themeFamily xmlns="" xmlns:thm15="http://schemas.microsoft.com/office/thememl/2012/main" name="Facet" id="{C0C680CD-088A-49FC-A102-D699147F32B2}" vid="{CFBC31BA-B70F-4F30-BCAA-4F3011E16C4D}"/>
+      <thm15:themeFamily xmlns:thm15="http://schemas.microsoft.com/office/thememl/2012/main" xmlns="" name="Facet" id="{C0C680CD-088A-49FC-A102-D699147F32B2}" vid="{CFBC31BA-B70F-4F30-BCAA-4F3011E16C4D}"/>
     </a:ext>
   </a:extLst>
 </a:theme>

--- a/src/ppt3.pptx
+++ b/src/ppt3.pptx
@@ -117,7 +117,7 @@
   </p:defaultTextStyle>
   <p:extLst>
     <p:ext uri="{EFAFB233-063F-42B5-8137-9DF3F51BA10A}">
-      <p15:sldGuideLst xmlns:p15="http://schemas.microsoft.com/office/powerpoint/2012/main" xmlns=""/>
+      <p15:sldGuideLst xmlns="" xmlns:p15="http://schemas.microsoft.com/office/powerpoint/2012/main"/>
     </p:ext>
   </p:extLst>
 </p:presentation>
@@ -846,7 +846,7 @@
             <a:fld id="{48A87A34-81AB-432B-8DAE-1953F412C126}" type="datetimeFigureOut">
               <a:rPr lang="en-US" smtClean="0"/>
               <a:pPr/>
-              <a:t>8/30/2017</a:t>
+              <a:t>9/6/2017</a:t>
             </a:fld>
             <a:endParaRPr lang="en-US" dirty="0"/>
           </a:p>
@@ -898,7 +898,7 @@
     </p:spTree>
     <p:extLst>
       <p:ext uri="{BB962C8B-B14F-4D97-AF65-F5344CB8AC3E}">
-        <p14:creationId xmlns:p14="http://schemas.microsoft.com/office/powerpoint/2010/main" xmlns="" val="2379700270"/>
+        <p14:creationId xmlns="" xmlns:p14="http://schemas.microsoft.com/office/powerpoint/2010/main" val="2379700270"/>
       </p:ext>
     </p:extLst>
   </p:cSld>
@@ -1099,7 +1099,7 @@
             <a:fld id="{48A87A34-81AB-432B-8DAE-1953F412C126}" type="datetimeFigureOut">
               <a:rPr lang="en-US" smtClean="0"/>
               <a:pPr/>
-              <a:t>8/30/2017</a:t>
+              <a:t>9/6/2017</a:t>
             </a:fld>
             <a:endParaRPr lang="en-US" dirty="0"/>
           </a:p>
@@ -1151,7 +1151,7 @@
     </p:spTree>
     <p:extLst>
       <p:ext uri="{BB962C8B-B14F-4D97-AF65-F5344CB8AC3E}">
-        <p14:creationId xmlns:p14="http://schemas.microsoft.com/office/powerpoint/2010/main" xmlns="" val="1804991245"/>
+        <p14:creationId xmlns="" xmlns:p14="http://schemas.microsoft.com/office/powerpoint/2010/main" val="1804991245"/>
       </p:ext>
     </p:extLst>
   </p:cSld>
@@ -1415,7 +1415,7 @@
             <a:fld id="{48A87A34-81AB-432B-8DAE-1953F412C126}" type="datetimeFigureOut">
               <a:rPr lang="en-US" smtClean="0"/>
               <a:pPr/>
-              <a:t>8/30/2017</a:t>
+              <a:t>9/6/2017</a:t>
             </a:fld>
             <a:endParaRPr lang="en-US" dirty="0"/>
           </a:p>
@@ -1557,7 +1557,7 @@
     </p:spTree>
     <p:extLst>
       <p:ext uri="{BB962C8B-B14F-4D97-AF65-F5344CB8AC3E}">
-        <p14:creationId xmlns:p14="http://schemas.microsoft.com/office/powerpoint/2010/main" xmlns="" val="1473712570"/>
+        <p14:creationId xmlns="" xmlns:p14="http://schemas.microsoft.com/office/powerpoint/2010/main" val="1473712570"/>
       </p:ext>
     </p:extLst>
   </p:cSld>
@@ -1758,7 +1758,7 @@
             <a:fld id="{48A87A34-81AB-432B-8DAE-1953F412C126}" type="datetimeFigureOut">
               <a:rPr lang="en-US" smtClean="0"/>
               <a:pPr/>
-              <a:t>8/30/2017</a:t>
+              <a:t>9/6/2017</a:t>
             </a:fld>
             <a:endParaRPr lang="en-US" dirty="0"/>
           </a:p>
@@ -1810,7 +1810,7 @@
     </p:spTree>
     <p:extLst>
       <p:ext uri="{BB962C8B-B14F-4D97-AF65-F5344CB8AC3E}">
-        <p14:creationId xmlns:p14="http://schemas.microsoft.com/office/powerpoint/2010/main" xmlns="" val="2530574234"/>
+        <p14:creationId xmlns="" xmlns:p14="http://schemas.microsoft.com/office/powerpoint/2010/main" val="2530574234"/>
       </p:ext>
     </p:extLst>
   </p:cSld>
@@ -2074,7 +2074,7 @@
             <a:fld id="{48A87A34-81AB-432B-8DAE-1953F412C126}" type="datetimeFigureOut">
               <a:rPr lang="en-US" smtClean="0"/>
               <a:pPr/>
-              <a:t>8/30/2017</a:t>
+              <a:t>9/6/2017</a:t>
             </a:fld>
             <a:endParaRPr lang="en-US" dirty="0"/>
           </a:p>
@@ -2208,7 +2208,7 @@
     </p:spTree>
     <p:extLst>
       <p:ext uri="{BB962C8B-B14F-4D97-AF65-F5344CB8AC3E}">
-        <p14:creationId xmlns:p14="http://schemas.microsoft.com/office/powerpoint/2010/main" xmlns="" val="1004790222"/>
+        <p14:creationId xmlns="" xmlns:p14="http://schemas.microsoft.com/office/powerpoint/2010/main" val="1004790222"/>
       </p:ext>
     </p:extLst>
   </p:cSld>
@@ -2469,7 +2469,7 @@
             <a:fld id="{48A87A34-81AB-432B-8DAE-1953F412C126}" type="datetimeFigureOut">
               <a:rPr lang="en-US" smtClean="0"/>
               <a:pPr/>
-              <a:t>8/30/2017</a:t>
+              <a:t>9/6/2017</a:t>
             </a:fld>
             <a:endParaRPr lang="en-US" dirty="0"/>
           </a:p>
@@ -2521,7 +2521,7 @@
     </p:spTree>
     <p:extLst>
       <p:ext uri="{BB962C8B-B14F-4D97-AF65-F5344CB8AC3E}">
-        <p14:creationId xmlns:p14="http://schemas.microsoft.com/office/powerpoint/2010/main" xmlns="" val="3328784466"/>
+        <p14:creationId xmlns="" xmlns:p14="http://schemas.microsoft.com/office/powerpoint/2010/main" val="3328784466"/>
       </p:ext>
     </p:extLst>
   </p:cSld>
@@ -2641,7 +2641,7 @@
             <a:fld id="{48A87A34-81AB-432B-8DAE-1953F412C126}" type="datetimeFigureOut">
               <a:rPr lang="en-US" smtClean="0"/>
               <a:pPr/>
-              <a:t>8/30/2017</a:t>
+              <a:t>9/6/2017</a:t>
             </a:fld>
             <a:endParaRPr lang="en-US" dirty="0"/>
           </a:p>
@@ -2693,7 +2693,7 @@
     </p:spTree>
     <p:extLst>
       <p:ext uri="{BB962C8B-B14F-4D97-AF65-F5344CB8AC3E}">
-        <p14:creationId xmlns:p14="http://schemas.microsoft.com/office/powerpoint/2010/main" xmlns="" val="1447070425"/>
+        <p14:creationId xmlns="" xmlns:p14="http://schemas.microsoft.com/office/powerpoint/2010/main" val="1447070425"/>
       </p:ext>
     </p:extLst>
   </p:cSld>
@@ -2823,7 +2823,7 @@
             <a:fld id="{48A87A34-81AB-432B-8DAE-1953F412C126}" type="datetimeFigureOut">
               <a:rPr lang="en-US" smtClean="0"/>
               <a:pPr/>
-              <a:t>8/30/2017</a:t>
+              <a:t>9/6/2017</a:t>
             </a:fld>
             <a:endParaRPr lang="en-US" dirty="0"/>
           </a:p>
@@ -2875,7 +2875,7 @@
     </p:spTree>
     <p:extLst>
       <p:ext uri="{BB962C8B-B14F-4D97-AF65-F5344CB8AC3E}">
-        <p14:creationId xmlns:p14="http://schemas.microsoft.com/office/powerpoint/2010/main" xmlns="" val="3648480235"/>
+        <p14:creationId xmlns="" xmlns:p14="http://schemas.microsoft.com/office/powerpoint/2010/main" val="3648480235"/>
       </p:ext>
     </p:extLst>
   </p:cSld>
@@ -3001,7 +3001,7 @@
             <a:fld id="{48A87A34-81AB-432B-8DAE-1953F412C126}" type="datetimeFigureOut">
               <a:rPr lang="en-US" smtClean="0"/>
               <a:pPr/>
-              <a:t>8/30/2017</a:t>
+              <a:t>9/6/2017</a:t>
             </a:fld>
             <a:endParaRPr lang="en-US" dirty="0"/>
           </a:p>
@@ -3053,7 +3053,7 @@
     </p:spTree>
     <p:extLst>
       <p:ext uri="{BB962C8B-B14F-4D97-AF65-F5344CB8AC3E}">
-        <p14:creationId xmlns:p14="http://schemas.microsoft.com/office/powerpoint/2010/main" xmlns="" val="2649633687"/>
+        <p14:creationId xmlns="" xmlns:p14="http://schemas.microsoft.com/office/powerpoint/2010/main" val="2649633687"/>
       </p:ext>
     </p:extLst>
   </p:cSld>
@@ -3250,7 +3250,7 @@
             <a:fld id="{48A87A34-81AB-432B-8DAE-1953F412C126}" type="datetimeFigureOut">
               <a:rPr lang="en-US" smtClean="0"/>
               <a:pPr/>
-              <a:t>8/30/2017</a:t>
+              <a:t>9/6/2017</a:t>
             </a:fld>
             <a:endParaRPr lang="en-US" dirty="0"/>
           </a:p>
@@ -3302,7 +3302,7 @@
     </p:spTree>
     <p:extLst>
       <p:ext uri="{BB962C8B-B14F-4D97-AF65-F5344CB8AC3E}">
-        <p14:creationId xmlns:p14="http://schemas.microsoft.com/office/powerpoint/2010/main" xmlns="" val="572893903"/>
+        <p14:creationId xmlns="" xmlns:p14="http://schemas.microsoft.com/office/powerpoint/2010/main" val="572893903"/>
       </p:ext>
     </p:extLst>
   </p:cSld>
@@ -3484,7 +3484,7 @@
             <a:fld id="{48A87A34-81AB-432B-8DAE-1953F412C126}" type="datetimeFigureOut">
               <a:rPr lang="en-US" smtClean="0"/>
               <a:pPr/>
-              <a:t>8/30/2017</a:t>
+              <a:t>9/6/2017</a:t>
             </a:fld>
             <a:endParaRPr lang="en-US" dirty="0"/>
           </a:p>
@@ -3536,7 +3536,7 @@
     </p:spTree>
     <p:extLst>
       <p:ext uri="{BB962C8B-B14F-4D97-AF65-F5344CB8AC3E}">
-        <p14:creationId xmlns:p14="http://schemas.microsoft.com/office/powerpoint/2010/main" xmlns="" val="3918475607"/>
+        <p14:creationId xmlns="" xmlns:p14="http://schemas.microsoft.com/office/powerpoint/2010/main" val="3918475607"/>
       </p:ext>
     </p:extLst>
   </p:cSld>
@@ -3860,7 +3860,7 @@
             <a:fld id="{48A87A34-81AB-432B-8DAE-1953F412C126}" type="datetimeFigureOut">
               <a:rPr lang="en-US" smtClean="0"/>
               <a:pPr/>
-              <a:t>8/30/2017</a:t>
+              <a:t>9/6/2017</a:t>
             </a:fld>
             <a:endParaRPr lang="en-US" dirty="0"/>
           </a:p>
@@ -3912,7 +3912,7 @@
     </p:spTree>
     <p:extLst>
       <p:ext uri="{BB962C8B-B14F-4D97-AF65-F5344CB8AC3E}">
-        <p14:creationId xmlns:p14="http://schemas.microsoft.com/office/powerpoint/2010/main" xmlns="" val="70569158"/>
+        <p14:creationId xmlns="" xmlns:p14="http://schemas.microsoft.com/office/powerpoint/2010/main" val="70569158"/>
       </p:ext>
     </p:extLst>
   </p:cSld>
@@ -3985,7 +3985,7 @@
             <a:fld id="{48A87A34-81AB-432B-8DAE-1953F412C126}" type="datetimeFigureOut">
               <a:rPr lang="en-US" smtClean="0"/>
               <a:pPr/>
-              <a:t>8/30/2017</a:t>
+              <a:t>9/6/2017</a:t>
             </a:fld>
             <a:endParaRPr lang="en-US" dirty="0"/>
           </a:p>
@@ -4037,7 +4037,7 @@
     </p:spTree>
     <p:extLst>
       <p:ext uri="{BB962C8B-B14F-4D97-AF65-F5344CB8AC3E}">
-        <p14:creationId xmlns:p14="http://schemas.microsoft.com/office/powerpoint/2010/main" xmlns="" val="3956773614"/>
+        <p14:creationId xmlns="" xmlns:p14="http://schemas.microsoft.com/office/powerpoint/2010/main" val="3956773614"/>
       </p:ext>
     </p:extLst>
   </p:cSld>
@@ -4082,7 +4082,7 @@
             <a:fld id="{48A87A34-81AB-432B-8DAE-1953F412C126}" type="datetimeFigureOut">
               <a:rPr lang="en-US" smtClean="0"/>
               <a:pPr/>
-              <a:t>8/30/2017</a:t>
+              <a:t>9/6/2017</a:t>
             </a:fld>
             <a:endParaRPr lang="en-US" dirty="0"/>
           </a:p>
@@ -4134,7 +4134,7 @@
     </p:spTree>
     <p:extLst>
       <p:ext uri="{BB962C8B-B14F-4D97-AF65-F5344CB8AC3E}">
-        <p14:creationId xmlns:p14="http://schemas.microsoft.com/office/powerpoint/2010/main" xmlns="" val="843387325"/>
+        <p14:creationId xmlns="" xmlns:p14="http://schemas.microsoft.com/office/powerpoint/2010/main" val="843387325"/>
       </p:ext>
     </p:extLst>
   </p:cSld>
@@ -4339,7 +4339,7 @@
             <a:fld id="{48A87A34-81AB-432B-8DAE-1953F412C126}" type="datetimeFigureOut">
               <a:rPr lang="en-US" smtClean="0"/>
               <a:pPr/>
-              <a:t>8/30/2017</a:t>
+              <a:t>9/6/2017</a:t>
             </a:fld>
             <a:endParaRPr lang="en-US" dirty="0"/>
           </a:p>
@@ -4391,7 +4391,7 @@
     </p:spTree>
     <p:extLst>
       <p:ext uri="{BB962C8B-B14F-4D97-AF65-F5344CB8AC3E}">
-        <p14:creationId xmlns:p14="http://schemas.microsoft.com/office/powerpoint/2010/main" xmlns="" val="614752468"/>
+        <p14:creationId xmlns="" xmlns:p14="http://schemas.microsoft.com/office/powerpoint/2010/main" val="614752468"/>
       </p:ext>
     </p:extLst>
   </p:cSld>
@@ -4604,7 +4604,7 @@
             <a:fld id="{48A87A34-81AB-432B-8DAE-1953F412C126}" type="datetimeFigureOut">
               <a:rPr lang="en-US" smtClean="0"/>
               <a:pPr/>
-              <a:t>8/30/2017</a:t>
+              <a:t>9/6/2017</a:t>
             </a:fld>
             <a:endParaRPr lang="en-US" dirty="0"/>
           </a:p>
@@ -4656,7 +4656,7 @@
     </p:spTree>
     <p:extLst>
       <p:ext uri="{BB962C8B-B14F-4D97-AF65-F5344CB8AC3E}">
-        <p14:creationId xmlns:p14="http://schemas.microsoft.com/office/powerpoint/2010/main" xmlns="" val="2525773852"/>
+        <p14:creationId xmlns="" xmlns:p14="http://schemas.microsoft.com/office/powerpoint/2010/main" val="2525773852"/>
       </p:ext>
     </p:extLst>
   </p:cSld>
@@ -5349,7 +5349,7 @@
             <a:fld id="{48A87A34-81AB-432B-8DAE-1953F412C126}" type="datetimeFigureOut">
               <a:rPr lang="en-US" smtClean="0"/>
               <a:pPr/>
-              <a:t>8/30/2017</a:t>
+              <a:t>9/6/2017</a:t>
             </a:fld>
             <a:endParaRPr lang="en-US" dirty="0"/>
           </a:p>
@@ -5435,7 +5435,7 @@
     </p:spTree>
     <p:extLst>
       <p:ext uri="{BB962C8B-B14F-4D97-AF65-F5344CB8AC3E}">
-        <p14:creationId xmlns:p14="http://schemas.microsoft.com/office/powerpoint/2010/main" xmlns="" val="2849168193"/>
+        <p14:creationId xmlns="" xmlns:p14="http://schemas.microsoft.com/office/powerpoint/2010/main" val="2849168193"/>
       </p:ext>
     </p:extLst>
   </p:cSld>
@@ -5921,7 +5921,7 @@
     </p:spTree>
     <p:extLst>
       <p:ext uri="{BB962C8B-B14F-4D97-AF65-F5344CB8AC3E}">
-        <p14:creationId xmlns:p14="http://schemas.microsoft.com/office/powerpoint/2010/main" xmlns="" val="1597654807"/>
+        <p14:creationId xmlns="" xmlns:p14="http://schemas.microsoft.com/office/powerpoint/2010/main" val="1597654807"/>
       </p:ext>
     </p:extLst>
   </p:cSld>
@@ -6069,7 +6069,7 @@
     </p:spTree>
     <p:extLst>
       <p:ext uri="{BB962C8B-B14F-4D97-AF65-F5344CB8AC3E}">
-        <p14:creationId xmlns:p14="http://schemas.microsoft.com/office/powerpoint/2010/main" xmlns="" val="999608912"/>
+        <p14:creationId xmlns="" xmlns:p14="http://schemas.microsoft.com/office/powerpoint/2010/main" val="999608912"/>
       </p:ext>
     </p:extLst>
   </p:cSld>
@@ -6209,7 +6209,7 @@
     </p:spTree>
     <p:extLst>
       <p:ext uri="{BB962C8B-B14F-4D97-AF65-F5344CB8AC3E}">
-        <p14:creationId xmlns:p14="http://schemas.microsoft.com/office/powerpoint/2010/main" xmlns="" val="999608912"/>
+        <p14:creationId xmlns="" xmlns:p14="http://schemas.microsoft.com/office/powerpoint/2010/main" val="999608912"/>
       </p:ext>
     </p:extLst>
   </p:cSld>
@@ -6305,11 +6305,7 @@
             <a:pPr marL="609600" indent="-609600"/>
             <a:r>
               <a:rPr lang="he-IL" sz="4800" dirty="0" smtClean="0"/>
-              <a:t>סידור </a:t>
-            </a:r>
-            <a:r>
-              <a:rPr lang="he-IL" sz="4800" dirty="0" smtClean="0"/>
-              <a:t>ציוד ועמדת העבודה</a:t>
+              <a:t>סידור ציוד ועמדת העבודה</a:t>
             </a:r>
           </a:p>
           <a:p>
@@ -6328,7 +6324,7 @@
     </p:spTree>
     <p:extLst>
       <p:ext uri="{BB962C8B-B14F-4D97-AF65-F5344CB8AC3E}">
-        <p14:creationId xmlns="" xmlns:p14="http://schemas.microsoft.com/office/powerpoint/2010/main" val="2508929371"/>
+        <p14:creationId xmlns:p14="http://schemas.microsoft.com/office/powerpoint/2010/main" xmlns="" val="2508929371"/>
       </p:ext>
     </p:extLst>
   </p:cSld>
@@ -6406,7 +6402,7 @@
         </p:spPr>
         <p:txBody>
           <a:bodyPr>
-            <a:normAutofit/>
+            <a:normAutofit lnSpcReduction="10000"/>
           </a:bodyPr>
           <a:lstStyle/>
           <a:p>
@@ -6418,8 +6414,16 @@
           <a:p>
             <a:r>
               <a:rPr lang="he-IL" sz="4000" dirty="0" smtClean="0"/>
-              <a:t> חיבור הרובוט למחשב</a:t>
-            </a:r>
+              <a:t> לתת הוראות לרובוט</a:t>
+            </a:r>
+          </a:p>
+          <a:p>
+            <a:pPr lvl="1"/>
+            <a:r>
+              <a:rPr lang="he-IL" sz="3600" dirty="0" smtClean="0"/>
+              <a:t> תרגיל – המורה הוא רובוט</a:t>
+            </a:r>
+            <a:endParaRPr lang="he-IL" sz="3600" dirty="0" smtClean="0"/>
           </a:p>
           <a:p>
             <a:r>
@@ -6433,21 +6437,35 @@
             <a:endParaRPr lang="he-IL" sz="4000" dirty="0" smtClean="0"/>
           </a:p>
           <a:p>
+            <a:pPr lvl="1"/>
+            <a:r>
+              <a:rPr lang="he-IL" sz="3800" dirty="0" smtClean="0"/>
+              <a:t> </a:t>
+            </a:r>
+            <a:r>
+              <a:rPr lang="he-IL" sz="3800" dirty="0" smtClean="0"/>
+              <a:t>היכרות עם הסביבה</a:t>
+            </a:r>
+          </a:p>
+          <a:p>
+            <a:pPr lvl="1"/>
+            <a:r>
+              <a:rPr lang="he-IL" sz="3800" dirty="0" smtClean="0"/>
+              <a:t> </a:t>
+            </a:r>
+            <a:r>
+              <a:rPr lang="he-IL" sz="3800" dirty="0" smtClean="0"/>
+              <a:t>היכרות עם סוגי פקודות</a:t>
+            </a:r>
+          </a:p>
+          <a:p>
             <a:r>
               <a:rPr lang="he-IL" sz="4000" dirty="0" smtClean="0"/>
-              <a:t> תכנות הרובוט - צלילים</a:t>
-            </a:r>
-          </a:p>
-          <a:p>
+              <a:t> סדר </a:t>
+            </a:r>
             <a:r>
               <a:rPr lang="he-IL" sz="4000" dirty="0" smtClean="0"/>
-              <a:t> תכנות הרובוט – מנועים</a:t>
-            </a:r>
-          </a:p>
-          <a:p>
-            <a:r>
-              <a:rPr lang="he-IL" sz="4000" dirty="0" smtClean="0"/>
-              <a:t>סדר וניקיון</a:t>
+              <a:t>וניקיון</a:t>
             </a:r>
           </a:p>
           <a:p>
@@ -6461,7 +6479,7 @@
     </p:spTree>
     <p:extLst>
       <p:ext uri="{BB962C8B-B14F-4D97-AF65-F5344CB8AC3E}">
-        <p14:creationId xmlns:p14="http://schemas.microsoft.com/office/powerpoint/2010/main" xmlns="" val="2508929371"/>
+        <p14:creationId xmlns="" xmlns:p14="http://schemas.microsoft.com/office/powerpoint/2010/main" val="2508929371"/>
       </p:ext>
     </p:extLst>
   </p:cSld>
@@ -6571,7 +6589,7 @@
     </p:spTree>
     <p:extLst>
       <p:ext uri="{BB962C8B-B14F-4D97-AF65-F5344CB8AC3E}">
-        <p14:creationId xmlns:p14="http://schemas.microsoft.com/office/powerpoint/2010/main" xmlns="" val="2508929371"/>
+        <p14:creationId xmlns="" xmlns:p14="http://schemas.microsoft.com/office/powerpoint/2010/main" val="2508929371"/>
       </p:ext>
     </p:extLst>
   </p:cSld>
@@ -6625,7 +6643,7 @@
             <a:pPr algn="r"/>
             <a:r>
               <a:rPr lang="he-IL" sz="4400" b="1" dirty="0" smtClean="0"/>
-              <a:t>תרגיל – המורה הוא רובוט!</a:t>
+              <a:t>לתת הוראות לרובוט</a:t>
             </a:r>
             <a:endParaRPr lang="he-IL" sz="4400" b="1" dirty="0"/>
           </a:p>
@@ -6655,7 +6673,11 @@
           <a:p>
             <a:r>
               <a:rPr lang="he-IL" sz="3600" dirty="0" smtClean="0"/>
-              <a:t>המורה הוא רובוט!</a:t>
+              <a:t> תרגיל - המורה </a:t>
+            </a:r>
+            <a:r>
+              <a:rPr lang="he-IL" sz="3600" dirty="0" smtClean="0"/>
+              <a:t>הוא רובוט!</a:t>
             </a:r>
           </a:p>
           <a:p>
@@ -6705,7 +6727,7 @@
     </p:spTree>
     <p:extLst>
       <p:ext uri="{BB962C8B-B14F-4D97-AF65-F5344CB8AC3E}">
-        <p14:creationId xmlns:p14="http://schemas.microsoft.com/office/powerpoint/2010/main" xmlns="" val="2508929371"/>
+        <p14:creationId xmlns="" xmlns:p14="http://schemas.microsoft.com/office/powerpoint/2010/main" val="2508929371"/>
       </p:ext>
     </p:extLst>
   </p:cSld>
@@ -6823,7 +6845,7 @@
     </p:spTree>
     <p:extLst>
       <p:ext uri="{BB962C8B-B14F-4D97-AF65-F5344CB8AC3E}">
-        <p14:creationId xmlns:p14="http://schemas.microsoft.com/office/powerpoint/2010/main" xmlns="" val="2508929371"/>
+        <p14:creationId xmlns="" xmlns:p14="http://schemas.microsoft.com/office/powerpoint/2010/main" val="2508929371"/>
       </p:ext>
     </p:extLst>
   </p:cSld>
@@ -6955,7 +6977,7 @@
     </p:spTree>
     <p:extLst>
       <p:ext uri="{BB962C8B-B14F-4D97-AF65-F5344CB8AC3E}">
-        <p14:creationId xmlns:p14="http://schemas.microsoft.com/office/powerpoint/2010/main" xmlns="" val="999608912"/>
+        <p14:creationId xmlns="" xmlns:p14="http://schemas.microsoft.com/office/powerpoint/2010/main" val="999608912"/>
       </p:ext>
     </p:extLst>
   </p:cSld>
@@ -7050,7 +7072,7 @@
     </p:spTree>
     <p:extLst>
       <p:ext uri="{BB962C8B-B14F-4D97-AF65-F5344CB8AC3E}">
-        <p14:creationId xmlns:p14="http://schemas.microsoft.com/office/powerpoint/2010/main" xmlns="" val="999608912"/>
+        <p14:creationId xmlns="" xmlns:p14="http://schemas.microsoft.com/office/powerpoint/2010/main" val="999608912"/>
       </p:ext>
     </p:extLst>
   </p:cSld>
@@ -7145,7 +7167,7 @@
     </p:spTree>
     <p:extLst>
       <p:ext uri="{BB962C8B-B14F-4D97-AF65-F5344CB8AC3E}">
-        <p14:creationId xmlns:p14="http://schemas.microsoft.com/office/powerpoint/2010/main" xmlns="" val="999608912"/>
+        <p14:creationId xmlns="" xmlns:p14="http://schemas.microsoft.com/office/powerpoint/2010/main" val="999608912"/>
       </p:ext>
     </p:extLst>
   </p:cSld>
@@ -7240,7 +7262,7 @@
     </p:spTree>
     <p:extLst>
       <p:ext uri="{BB962C8B-B14F-4D97-AF65-F5344CB8AC3E}">
-        <p14:creationId xmlns:p14="http://schemas.microsoft.com/office/powerpoint/2010/main" xmlns="" val="999608912"/>
+        <p14:creationId xmlns="" xmlns:p14="http://schemas.microsoft.com/office/powerpoint/2010/main" val="999608912"/>
       </p:ext>
     </p:extLst>
   </p:cSld>
@@ -7508,7 +7530,7 @@
   <a:extraClrSchemeLst/>
   <a:extLst>
     <a:ext uri="{05A4C25C-085E-4340-85A3-A5531E510DB2}">
-      <thm15:themeFamily xmlns:thm15="http://schemas.microsoft.com/office/thememl/2012/main" xmlns="" name="Facet" id="{C0C680CD-088A-49FC-A102-D699147F32B2}" vid="{CFBC31BA-B70F-4F30-BCAA-4F3011E16C4D}"/>
+      <thm15:themeFamily xmlns="" xmlns:thm15="http://schemas.microsoft.com/office/thememl/2012/main" name="Facet" id="{C0C680CD-088A-49FC-A102-D699147F32B2}" vid="{CFBC31BA-B70F-4F30-BCAA-4F3011E16C4D}"/>
     </a:ext>
   </a:extLst>
 </a:theme>

--- a/src/ppt3.pptx
+++ b/src/ppt3.pptx
@@ -117,7 +117,7 @@
   </p:defaultTextStyle>
   <p:extLst>
     <p:ext uri="{EFAFB233-063F-42B5-8137-9DF3F51BA10A}">
-      <p15:sldGuideLst xmlns="" xmlns:p15="http://schemas.microsoft.com/office/powerpoint/2012/main"/>
+      <p15:sldGuideLst xmlns:p15="http://schemas.microsoft.com/office/powerpoint/2012/main" xmlns=""/>
     </p:ext>
   </p:extLst>
 </p:presentation>
@@ -846,7 +846,7 @@
             <a:fld id="{48A87A34-81AB-432B-8DAE-1953F412C126}" type="datetimeFigureOut">
               <a:rPr lang="en-US" smtClean="0"/>
               <a:pPr/>
-              <a:t>9/6/2017</a:t>
+              <a:t>9/7/2017</a:t>
             </a:fld>
             <a:endParaRPr lang="en-US" dirty="0"/>
           </a:p>
@@ -898,7 +898,7 @@
     </p:spTree>
     <p:extLst>
       <p:ext uri="{BB962C8B-B14F-4D97-AF65-F5344CB8AC3E}">
-        <p14:creationId xmlns="" xmlns:p14="http://schemas.microsoft.com/office/powerpoint/2010/main" val="2379700270"/>
+        <p14:creationId xmlns:p14="http://schemas.microsoft.com/office/powerpoint/2010/main" xmlns="" val="2379700270"/>
       </p:ext>
     </p:extLst>
   </p:cSld>
@@ -1099,7 +1099,7 @@
             <a:fld id="{48A87A34-81AB-432B-8DAE-1953F412C126}" type="datetimeFigureOut">
               <a:rPr lang="en-US" smtClean="0"/>
               <a:pPr/>
-              <a:t>9/6/2017</a:t>
+              <a:t>9/7/2017</a:t>
             </a:fld>
             <a:endParaRPr lang="en-US" dirty="0"/>
           </a:p>
@@ -1151,7 +1151,7 @@
     </p:spTree>
     <p:extLst>
       <p:ext uri="{BB962C8B-B14F-4D97-AF65-F5344CB8AC3E}">
-        <p14:creationId xmlns="" xmlns:p14="http://schemas.microsoft.com/office/powerpoint/2010/main" val="1804991245"/>
+        <p14:creationId xmlns:p14="http://schemas.microsoft.com/office/powerpoint/2010/main" xmlns="" val="1804991245"/>
       </p:ext>
     </p:extLst>
   </p:cSld>
@@ -1415,7 +1415,7 @@
             <a:fld id="{48A87A34-81AB-432B-8DAE-1953F412C126}" type="datetimeFigureOut">
               <a:rPr lang="en-US" smtClean="0"/>
               <a:pPr/>
-              <a:t>9/6/2017</a:t>
+              <a:t>9/7/2017</a:t>
             </a:fld>
             <a:endParaRPr lang="en-US" dirty="0"/>
           </a:p>
@@ -1557,7 +1557,7 @@
     </p:spTree>
     <p:extLst>
       <p:ext uri="{BB962C8B-B14F-4D97-AF65-F5344CB8AC3E}">
-        <p14:creationId xmlns="" xmlns:p14="http://schemas.microsoft.com/office/powerpoint/2010/main" val="1473712570"/>
+        <p14:creationId xmlns:p14="http://schemas.microsoft.com/office/powerpoint/2010/main" xmlns="" val="1473712570"/>
       </p:ext>
     </p:extLst>
   </p:cSld>
@@ -1758,7 +1758,7 @@
             <a:fld id="{48A87A34-81AB-432B-8DAE-1953F412C126}" type="datetimeFigureOut">
               <a:rPr lang="en-US" smtClean="0"/>
               <a:pPr/>
-              <a:t>9/6/2017</a:t>
+              <a:t>9/7/2017</a:t>
             </a:fld>
             <a:endParaRPr lang="en-US" dirty="0"/>
           </a:p>
@@ -1810,7 +1810,7 @@
     </p:spTree>
     <p:extLst>
       <p:ext uri="{BB962C8B-B14F-4D97-AF65-F5344CB8AC3E}">
-        <p14:creationId xmlns="" xmlns:p14="http://schemas.microsoft.com/office/powerpoint/2010/main" val="2530574234"/>
+        <p14:creationId xmlns:p14="http://schemas.microsoft.com/office/powerpoint/2010/main" xmlns="" val="2530574234"/>
       </p:ext>
     </p:extLst>
   </p:cSld>
@@ -2074,7 +2074,7 @@
             <a:fld id="{48A87A34-81AB-432B-8DAE-1953F412C126}" type="datetimeFigureOut">
               <a:rPr lang="en-US" smtClean="0"/>
               <a:pPr/>
-              <a:t>9/6/2017</a:t>
+              <a:t>9/7/2017</a:t>
             </a:fld>
             <a:endParaRPr lang="en-US" dirty="0"/>
           </a:p>
@@ -2208,7 +2208,7 @@
     </p:spTree>
     <p:extLst>
       <p:ext uri="{BB962C8B-B14F-4D97-AF65-F5344CB8AC3E}">
-        <p14:creationId xmlns="" xmlns:p14="http://schemas.microsoft.com/office/powerpoint/2010/main" val="1004790222"/>
+        <p14:creationId xmlns:p14="http://schemas.microsoft.com/office/powerpoint/2010/main" xmlns="" val="1004790222"/>
       </p:ext>
     </p:extLst>
   </p:cSld>
@@ -2469,7 +2469,7 @@
             <a:fld id="{48A87A34-81AB-432B-8DAE-1953F412C126}" type="datetimeFigureOut">
               <a:rPr lang="en-US" smtClean="0"/>
               <a:pPr/>
-              <a:t>9/6/2017</a:t>
+              <a:t>9/7/2017</a:t>
             </a:fld>
             <a:endParaRPr lang="en-US" dirty="0"/>
           </a:p>
@@ -2521,7 +2521,7 @@
     </p:spTree>
     <p:extLst>
       <p:ext uri="{BB962C8B-B14F-4D97-AF65-F5344CB8AC3E}">
-        <p14:creationId xmlns="" xmlns:p14="http://schemas.microsoft.com/office/powerpoint/2010/main" val="3328784466"/>
+        <p14:creationId xmlns:p14="http://schemas.microsoft.com/office/powerpoint/2010/main" xmlns="" val="3328784466"/>
       </p:ext>
     </p:extLst>
   </p:cSld>
@@ -2641,7 +2641,7 @@
             <a:fld id="{48A87A34-81AB-432B-8DAE-1953F412C126}" type="datetimeFigureOut">
               <a:rPr lang="en-US" smtClean="0"/>
               <a:pPr/>
-              <a:t>9/6/2017</a:t>
+              <a:t>9/7/2017</a:t>
             </a:fld>
             <a:endParaRPr lang="en-US" dirty="0"/>
           </a:p>
@@ -2693,7 +2693,7 @@
     </p:spTree>
     <p:extLst>
       <p:ext uri="{BB962C8B-B14F-4D97-AF65-F5344CB8AC3E}">
-        <p14:creationId xmlns="" xmlns:p14="http://schemas.microsoft.com/office/powerpoint/2010/main" val="1447070425"/>
+        <p14:creationId xmlns:p14="http://schemas.microsoft.com/office/powerpoint/2010/main" xmlns="" val="1447070425"/>
       </p:ext>
     </p:extLst>
   </p:cSld>
@@ -2823,7 +2823,7 @@
             <a:fld id="{48A87A34-81AB-432B-8DAE-1953F412C126}" type="datetimeFigureOut">
               <a:rPr lang="en-US" smtClean="0"/>
               <a:pPr/>
-              <a:t>9/6/2017</a:t>
+              <a:t>9/7/2017</a:t>
             </a:fld>
             <a:endParaRPr lang="en-US" dirty="0"/>
           </a:p>
@@ -2875,7 +2875,7 @@
     </p:spTree>
     <p:extLst>
       <p:ext uri="{BB962C8B-B14F-4D97-AF65-F5344CB8AC3E}">
-        <p14:creationId xmlns="" xmlns:p14="http://schemas.microsoft.com/office/powerpoint/2010/main" val="3648480235"/>
+        <p14:creationId xmlns:p14="http://schemas.microsoft.com/office/powerpoint/2010/main" xmlns="" val="3648480235"/>
       </p:ext>
     </p:extLst>
   </p:cSld>
@@ -3001,7 +3001,7 @@
             <a:fld id="{48A87A34-81AB-432B-8DAE-1953F412C126}" type="datetimeFigureOut">
               <a:rPr lang="en-US" smtClean="0"/>
               <a:pPr/>
-              <a:t>9/6/2017</a:t>
+              <a:t>9/7/2017</a:t>
             </a:fld>
             <a:endParaRPr lang="en-US" dirty="0"/>
           </a:p>
@@ -3053,7 +3053,7 @@
     </p:spTree>
     <p:extLst>
       <p:ext uri="{BB962C8B-B14F-4D97-AF65-F5344CB8AC3E}">
-        <p14:creationId xmlns="" xmlns:p14="http://schemas.microsoft.com/office/powerpoint/2010/main" val="2649633687"/>
+        <p14:creationId xmlns:p14="http://schemas.microsoft.com/office/powerpoint/2010/main" xmlns="" val="2649633687"/>
       </p:ext>
     </p:extLst>
   </p:cSld>
@@ -3250,7 +3250,7 @@
             <a:fld id="{48A87A34-81AB-432B-8DAE-1953F412C126}" type="datetimeFigureOut">
               <a:rPr lang="en-US" smtClean="0"/>
               <a:pPr/>
-              <a:t>9/6/2017</a:t>
+              <a:t>9/7/2017</a:t>
             </a:fld>
             <a:endParaRPr lang="en-US" dirty="0"/>
           </a:p>
@@ -3302,7 +3302,7 @@
     </p:spTree>
     <p:extLst>
       <p:ext uri="{BB962C8B-B14F-4D97-AF65-F5344CB8AC3E}">
-        <p14:creationId xmlns="" xmlns:p14="http://schemas.microsoft.com/office/powerpoint/2010/main" val="572893903"/>
+        <p14:creationId xmlns:p14="http://schemas.microsoft.com/office/powerpoint/2010/main" xmlns="" val="572893903"/>
       </p:ext>
     </p:extLst>
   </p:cSld>
@@ -3484,7 +3484,7 @@
             <a:fld id="{48A87A34-81AB-432B-8DAE-1953F412C126}" type="datetimeFigureOut">
               <a:rPr lang="en-US" smtClean="0"/>
               <a:pPr/>
-              <a:t>9/6/2017</a:t>
+              <a:t>9/7/2017</a:t>
             </a:fld>
             <a:endParaRPr lang="en-US" dirty="0"/>
           </a:p>
@@ -3536,7 +3536,7 @@
     </p:spTree>
     <p:extLst>
       <p:ext uri="{BB962C8B-B14F-4D97-AF65-F5344CB8AC3E}">
-        <p14:creationId xmlns="" xmlns:p14="http://schemas.microsoft.com/office/powerpoint/2010/main" val="3918475607"/>
+        <p14:creationId xmlns:p14="http://schemas.microsoft.com/office/powerpoint/2010/main" xmlns="" val="3918475607"/>
       </p:ext>
     </p:extLst>
   </p:cSld>
@@ -3860,7 +3860,7 @@
             <a:fld id="{48A87A34-81AB-432B-8DAE-1953F412C126}" type="datetimeFigureOut">
               <a:rPr lang="en-US" smtClean="0"/>
               <a:pPr/>
-              <a:t>9/6/2017</a:t>
+              <a:t>9/7/2017</a:t>
             </a:fld>
             <a:endParaRPr lang="en-US" dirty="0"/>
           </a:p>
@@ -3912,7 +3912,7 @@
     </p:spTree>
     <p:extLst>
       <p:ext uri="{BB962C8B-B14F-4D97-AF65-F5344CB8AC3E}">
-        <p14:creationId xmlns="" xmlns:p14="http://schemas.microsoft.com/office/powerpoint/2010/main" val="70569158"/>
+        <p14:creationId xmlns:p14="http://schemas.microsoft.com/office/powerpoint/2010/main" xmlns="" val="70569158"/>
       </p:ext>
     </p:extLst>
   </p:cSld>
@@ -3985,7 +3985,7 @@
             <a:fld id="{48A87A34-81AB-432B-8DAE-1953F412C126}" type="datetimeFigureOut">
               <a:rPr lang="en-US" smtClean="0"/>
               <a:pPr/>
-              <a:t>9/6/2017</a:t>
+              <a:t>9/7/2017</a:t>
             </a:fld>
             <a:endParaRPr lang="en-US" dirty="0"/>
           </a:p>
@@ -4037,7 +4037,7 @@
     </p:spTree>
     <p:extLst>
       <p:ext uri="{BB962C8B-B14F-4D97-AF65-F5344CB8AC3E}">
-        <p14:creationId xmlns="" xmlns:p14="http://schemas.microsoft.com/office/powerpoint/2010/main" val="3956773614"/>
+        <p14:creationId xmlns:p14="http://schemas.microsoft.com/office/powerpoint/2010/main" xmlns="" val="3956773614"/>
       </p:ext>
     </p:extLst>
   </p:cSld>
@@ -4082,7 +4082,7 @@
             <a:fld id="{48A87A34-81AB-432B-8DAE-1953F412C126}" type="datetimeFigureOut">
               <a:rPr lang="en-US" smtClean="0"/>
               <a:pPr/>
-              <a:t>9/6/2017</a:t>
+              <a:t>9/7/2017</a:t>
             </a:fld>
             <a:endParaRPr lang="en-US" dirty="0"/>
           </a:p>
@@ -4134,7 +4134,7 @@
     </p:spTree>
     <p:extLst>
       <p:ext uri="{BB962C8B-B14F-4D97-AF65-F5344CB8AC3E}">
-        <p14:creationId xmlns="" xmlns:p14="http://schemas.microsoft.com/office/powerpoint/2010/main" val="843387325"/>
+        <p14:creationId xmlns:p14="http://schemas.microsoft.com/office/powerpoint/2010/main" xmlns="" val="843387325"/>
       </p:ext>
     </p:extLst>
   </p:cSld>
@@ -4339,7 +4339,7 @@
             <a:fld id="{48A87A34-81AB-432B-8DAE-1953F412C126}" type="datetimeFigureOut">
               <a:rPr lang="en-US" smtClean="0"/>
               <a:pPr/>
-              <a:t>9/6/2017</a:t>
+              <a:t>9/7/2017</a:t>
             </a:fld>
             <a:endParaRPr lang="en-US" dirty="0"/>
           </a:p>
@@ -4391,7 +4391,7 @@
     </p:spTree>
     <p:extLst>
       <p:ext uri="{BB962C8B-B14F-4D97-AF65-F5344CB8AC3E}">
-        <p14:creationId xmlns="" xmlns:p14="http://schemas.microsoft.com/office/powerpoint/2010/main" val="614752468"/>
+        <p14:creationId xmlns:p14="http://schemas.microsoft.com/office/powerpoint/2010/main" xmlns="" val="614752468"/>
       </p:ext>
     </p:extLst>
   </p:cSld>
@@ -4604,7 +4604,7 @@
             <a:fld id="{48A87A34-81AB-432B-8DAE-1953F412C126}" type="datetimeFigureOut">
               <a:rPr lang="en-US" smtClean="0"/>
               <a:pPr/>
-              <a:t>9/6/2017</a:t>
+              <a:t>9/7/2017</a:t>
             </a:fld>
             <a:endParaRPr lang="en-US" dirty="0"/>
           </a:p>
@@ -4656,7 +4656,7 @@
     </p:spTree>
     <p:extLst>
       <p:ext uri="{BB962C8B-B14F-4D97-AF65-F5344CB8AC3E}">
-        <p14:creationId xmlns="" xmlns:p14="http://schemas.microsoft.com/office/powerpoint/2010/main" val="2525773852"/>
+        <p14:creationId xmlns:p14="http://schemas.microsoft.com/office/powerpoint/2010/main" xmlns="" val="2525773852"/>
       </p:ext>
     </p:extLst>
   </p:cSld>
@@ -5349,7 +5349,7 @@
             <a:fld id="{48A87A34-81AB-432B-8DAE-1953F412C126}" type="datetimeFigureOut">
               <a:rPr lang="en-US" smtClean="0"/>
               <a:pPr/>
-              <a:t>9/6/2017</a:t>
+              <a:t>9/7/2017</a:t>
             </a:fld>
             <a:endParaRPr lang="en-US" dirty="0"/>
           </a:p>
@@ -5435,7 +5435,7 @@
     </p:spTree>
     <p:extLst>
       <p:ext uri="{BB962C8B-B14F-4D97-AF65-F5344CB8AC3E}">
-        <p14:creationId xmlns="" xmlns:p14="http://schemas.microsoft.com/office/powerpoint/2010/main" val="2849168193"/>
+        <p14:creationId xmlns:p14="http://schemas.microsoft.com/office/powerpoint/2010/main" xmlns="" val="2849168193"/>
       </p:ext>
     </p:extLst>
   </p:cSld>
@@ -5898,7 +5898,11 @@
           <a:p>
             <a:r>
               <a:rPr lang="he-IL" sz="8000" dirty="0" smtClean="0"/>
-              <a:t>מתכנתים את הרובוט!</a:t>
+              <a:t>מתן הוראות לרובוט</a:t>
+            </a:r>
+            <a:r>
+              <a:rPr lang="he-IL" sz="8000" dirty="0" smtClean="0"/>
+              <a:t/>
             </a:r>
             <a:br>
               <a:rPr lang="he-IL" sz="8000" dirty="0" smtClean="0"/>
@@ -5910,10 +5914,6 @@
             <a:br>
               <a:rPr lang="he-IL" sz="8000" dirty="0" smtClean="0"/>
             </a:br>
-            <a:r>
-              <a:rPr lang="he-IL" sz="8000" dirty="0" smtClean="0"/>
-              <a:t>הפעלת המנועים</a:t>
-            </a:r>
             <a:endParaRPr lang="he-IL" sz="8000" dirty="0"/>
           </a:p>
         </p:txBody>
@@ -5921,7 +5921,7 @@
     </p:spTree>
     <p:extLst>
       <p:ext uri="{BB962C8B-B14F-4D97-AF65-F5344CB8AC3E}">
-        <p14:creationId xmlns="" xmlns:p14="http://schemas.microsoft.com/office/powerpoint/2010/main" val="1597654807"/>
+        <p14:creationId xmlns:p14="http://schemas.microsoft.com/office/powerpoint/2010/main" xmlns="" val="1597654807"/>
       </p:ext>
     </p:extLst>
   </p:cSld>
@@ -6069,7 +6069,7 @@
     </p:spTree>
     <p:extLst>
       <p:ext uri="{BB962C8B-B14F-4D97-AF65-F5344CB8AC3E}">
-        <p14:creationId xmlns="" xmlns:p14="http://schemas.microsoft.com/office/powerpoint/2010/main" val="999608912"/>
+        <p14:creationId xmlns:p14="http://schemas.microsoft.com/office/powerpoint/2010/main" xmlns="" val="999608912"/>
       </p:ext>
     </p:extLst>
   </p:cSld>
@@ -6209,7 +6209,7 @@
     </p:spTree>
     <p:extLst>
       <p:ext uri="{BB962C8B-B14F-4D97-AF65-F5344CB8AC3E}">
-        <p14:creationId xmlns="" xmlns:p14="http://schemas.microsoft.com/office/powerpoint/2010/main" val="999608912"/>
+        <p14:creationId xmlns:p14="http://schemas.microsoft.com/office/powerpoint/2010/main" xmlns="" val="999608912"/>
       </p:ext>
     </p:extLst>
   </p:cSld>
@@ -6324,7 +6324,7 @@
     </p:spTree>
     <p:extLst>
       <p:ext uri="{BB962C8B-B14F-4D97-AF65-F5344CB8AC3E}">
-        <p14:creationId xmlns:p14="http://schemas.microsoft.com/office/powerpoint/2010/main" xmlns="" val="2508929371"/>
+        <p14:creationId xmlns="" xmlns:p14="http://schemas.microsoft.com/office/powerpoint/2010/main" val="2508929371"/>
       </p:ext>
     </p:extLst>
   </p:cSld>
@@ -6423,7 +6423,6 @@
               <a:rPr lang="he-IL" sz="3600" dirty="0" smtClean="0"/>
               <a:t> תרגיל – המורה הוא רובוט</a:t>
             </a:r>
-            <a:endParaRPr lang="he-IL" sz="3600" dirty="0" smtClean="0"/>
           </a:p>
           <a:p>
             <a:r>
@@ -6440,32 +6439,20 @@
             <a:pPr lvl="1"/>
             <a:r>
               <a:rPr lang="he-IL" sz="3800" dirty="0" smtClean="0"/>
-              <a:t> </a:t>
-            </a:r>
+              <a:t> היכרות עם הסביבה</a:t>
+            </a:r>
+          </a:p>
+          <a:p>
+            <a:pPr lvl="1"/>
             <a:r>
               <a:rPr lang="he-IL" sz="3800" dirty="0" smtClean="0"/>
-              <a:t>היכרות עם הסביבה</a:t>
-            </a:r>
-          </a:p>
-          <a:p>
-            <a:pPr lvl="1"/>
-            <a:r>
-              <a:rPr lang="he-IL" sz="3800" dirty="0" smtClean="0"/>
-              <a:t> </a:t>
-            </a:r>
-            <a:r>
-              <a:rPr lang="he-IL" sz="3800" dirty="0" smtClean="0"/>
-              <a:t>היכרות עם סוגי פקודות</a:t>
+              <a:t> היכרות עם סוגי פקודות</a:t>
             </a:r>
           </a:p>
           <a:p>
             <a:r>
               <a:rPr lang="he-IL" sz="4000" dirty="0" smtClean="0"/>
-              <a:t> סדר </a:t>
-            </a:r>
-            <a:r>
-              <a:rPr lang="he-IL" sz="4000" dirty="0" smtClean="0"/>
-              <a:t>וניקיון</a:t>
+              <a:t> סדר וניקיון</a:t>
             </a:r>
           </a:p>
           <a:p>
@@ -6479,7 +6466,7 @@
     </p:spTree>
     <p:extLst>
       <p:ext uri="{BB962C8B-B14F-4D97-AF65-F5344CB8AC3E}">
-        <p14:creationId xmlns="" xmlns:p14="http://schemas.microsoft.com/office/powerpoint/2010/main" val="2508929371"/>
+        <p14:creationId xmlns:p14="http://schemas.microsoft.com/office/powerpoint/2010/main" xmlns="" val="2508929371"/>
       </p:ext>
     </p:extLst>
   </p:cSld>
@@ -6589,7 +6576,7 @@
     </p:spTree>
     <p:extLst>
       <p:ext uri="{BB962C8B-B14F-4D97-AF65-F5344CB8AC3E}">
-        <p14:creationId xmlns="" xmlns:p14="http://schemas.microsoft.com/office/powerpoint/2010/main" val="2508929371"/>
+        <p14:creationId xmlns:p14="http://schemas.microsoft.com/office/powerpoint/2010/main" xmlns="" val="2508929371"/>
       </p:ext>
     </p:extLst>
   </p:cSld>
@@ -6673,11 +6660,7 @@
           <a:p>
             <a:r>
               <a:rPr lang="he-IL" sz="3600" dirty="0" smtClean="0"/>
-              <a:t> תרגיל - המורה </a:t>
-            </a:r>
-            <a:r>
-              <a:rPr lang="he-IL" sz="3600" dirty="0" smtClean="0"/>
-              <a:t>הוא רובוט!</a:t>
+              <a:t> תרגיל - המורה הוא רובוט!</a:t>
             </a:r>
           </a:p>
           <a:p>
@@ -6727,7 +6710,7 @@
     </p:spTree>
     <p:extLst>
       <p:ext uri="{BB962C8B-B14F-4D97-AF65-F5344CB8AC3E}">
-        <p14:creationId xmlns="" xmlns:p14="http://schemas.microsoft.com/office/powerpoint/2010/main" val="2508929371"/>
+        <p14:creationId xmlns:p14="http://schemas.microsoft.com/office/powerpoint/2010/main" xmlns="" val="2508929371"/>
       </p:ext>
     </p:extLst>
   </p:cSld>
@@ -6845,7 +6828,7 @@
     </p:spTree>
     <p:extLst>
       <p:ext uri="{BB962C8B-B14F-4D97-AF65-F5344CB8AC3E}">
-        <p14:creationId xmlns="" xmlns:p14="http://schemas.microsoft.com/office/powerpoint/2010/main" val="2508929371"/>
+        <p14:creationId xmlns:p14="http://schemas.microsoft.com/office/powerpoint/2010/main" xmlns="" val="2508929371"/>
       </p:ext>
     </p:extLst>
   </p:cSld>
@@ -6977,7 +6960,7 @@
     </p:spTree>
     <p:extLst>
       <p:ext uri="{BB962C8B-B14F-4D97-AF65-F5344CB8AC3E}">
-        <p14:creationId xmlns="" xmlns:p14="http://schemas.microsoft.com/office/powerpoint/2010/main" val="999608912"/>
+        <p14:creationId xmlns:p14="http://schemas.microsoft.com/office/powerpoint/2010/main" xmlns="" val="999608912"/>
       </p:ext>
     </p:extLst>
   </p:cSld>
@@ -7072,7 +7055,7 @@
     </p:spTree>
     <p:extLst>
       <p:ext uri="{BB962C8B-B14F-4D97-AF65-F5344CB8AC3E}">
-        <p14:creationId xmlns="" xmlns:p14="http://schemas.microsoft.com/office/powerpoint/2010/main" val="999608912"/>
+        <p14:creationId xmlns:p14="http://schemas.microsoft.com/office/powerpoint/2010/main" xmlns="" val="999608912"/>
       </p:ext>
     </p:extLst>
   </p:cSld>
@@ -7167,7 +7150,7 @@
     </p:spTree>
     <p:extLst>
       <p:ext uri="{BB962C8B-B14F-4D97-AF65-F5344CB8AC3E}">
-        <p14:creationId xmlns="" xmlns:p14="http://schemas.microsoft.com/office/powerpoint/2010/main" val="999608912"/>
+        <p14:creationId xmlns:p14="http://schemas.microsoft.com/office/powerpoint/2010/main" xmlns="" val="999608912"/>
       </p:ext>
     </p:extLst>
   </p:cSld>
@@ -7262,7 +7245,7 @@
     </p:spTree>
     <p:extLst>
       <p:ext uri="{BB962C8B-B14F-4D97-AF65-F5344CB8AC3E}">
-        <p14:creationId xmlns="" xmlns:p14="http://schemas.microsoft.com/office/powerpoint/2010/main" val="999608912"/>
+        <p14:creationId xmlns:p14="http://schemas.microsoft.com/office/powerpoint/2010/main" xmlns="" val="999608912"/>
       </p:ext>
     </p:extLst>
   </p:cSld>
@@ -7530,7 +7513,7 @@
   <a:extraClrSchemeLst/>
   <a:extLst>
     <a:ext uri="{05A4C25C-085E-4340-85A3-A5531E510DB2}">
-      <thm15:themeFamily xmlns="" xmlns:thm15="http://schemas.microsoft.com/office/thememl/2012/main" name="Facet" id="{C0C680CD-088A-49FC-A102-D699147F32B2}" vid="{CFBC31BA-B70F-4F30-BCAA-4F3011E16C4D}"/>
+      <thm15:themeFamily xmlns:thm15="http://schemas.microsoft.com/office/thememl/2012/main" xmlns="" name="Facet" id="{C0C680CD-088A-49FC-A102-D699147F32B2}" vid="{CFBC31BA-B70F-4F30-BCAA-4F3011E16C4D}"/>
     </a:ext>
   </a:extLst>
 </a:theme>
